--- a/포폴_ppt3.pptx
+++ b/포폴_ppt3.pptx
@@ -4561,8 +4561,8 @@
         </p:nvSpPr>
         <p:spPr>
           <a:xfrm>
-            <a:off x="10128304" y="5171864"/>
-            <a:ext cx="525566" cy="399460"/>
+            <a:off x="10061544" y="4340518"/>
+            <a:ext cx="1411447" cy="399460"/>
           </a:xfrm>
           <a:prstGeom prst="rect">
             <a:avLst/>
@@ -4614,8 +4614,8 @@
         </p:nvSpPr>
         <p:spPr>
           <a:xfrm>
-            <a:off x="10179363" y="4278273"/>
-            <a:ext cx="1051131" cy="399460"/>
+            <a:off x="9366232" y="1281145"/>
+            <a:ext cx="1484226" cy="399460"/>
           </a:xfrm>
           <a:prstGeom prst="rect">
             <a:avLst/>
@@ -4667,7 +4667,7 @@
         </p:nvSpPr>
         <p:spPr>
           <a:xfrm>
-            <a:off x="9679602" y="3854560"/>
+            <a:off x="9369696" y="3917066"/>
             <a:ext cx="586616" cy="399460"/>
           </a:xfrm>
           <a:prstGeom prst="rect">
@@ -4720,7 +4720,7 @@
         </p:nvSpPr>
         <p:spPr>
           <a:xfrm>
-            <a:off x="9463471" y="3019613"/>
+            <a:off x="9364749" y="3048916"/>
             <a:ext cx="1767024" cy="399460"/>
           </a:xfrm>
           <a:prstGeom prst="rect">
@@ -4773,8 +4773,8 @@
         </p:nvSpPr>
         <p:spPr>
           <a:xfrm>
-            <a:off x="9410866" y="1263085"/>
-            <a:ext cx="1536996" cy="399460"/>
+            <a:off x="9364749" y="5233081"/>
+            <a:ext cx="1643238" cy="399460"/>
           </a:xfrm>
           <a:prstGeom prst="rect">
             <a:avLst/>
@@ -5717,8 +5717,8 @@
         </p:nvSpPr>
         <p:spPr>
           <a:xfrm>
-            <a:off x="9399042" y="1179999"/>
-            <a:ext cx="2792957" cy="4478149"/>
+            <a:off x="9281700" y="1200512"/>
+            <a:ext cx="3054466" cy="4478149"/>
           </a:xfrm>
           <a:prstGeom prst="rect">
             <a:avLst/>
@@ -5766,92 +5766,19 @@
                 <a:latin typeface="경기천년제목 Medium" panose="02020603020101020101" pitchFamily="18" charset="-127"/>
                 <a:ea typeface="경기천년제목 Medium" panose="02020603020101020101" pitchFamily="18" charset="-127"/>
               </a:rPr>
-              <a:t>아이디를 직접 입력하거나 아래 번호를 클릭하면 그 정보가 텍스트박스에 담기고</a:t>
-            </a:r>
-            <a:r>
-              <a:rPr lang="en-US" altLang="ko-KR" sz="1900" dirty="0">
-                <a:latin typeface="경기천년제목 Medium" panose="02020603020101020101" pitchFamily="18" charset="-127"/>
-                <a:ea typeface="경기천년제목 Medium" panose="02020603020101020101" pitchFamily="18" charset="-127"/>
-              </a:rPr>
-              <a:t>,</a:t>
-            </a:r>
-            <a:r>
-              <a:rPr lang="ko-KR" altLang="en-US" sz="1900" dirty="0">
-                <a:latin typeface="경기천년제목 Medium" panose="02020603020101020101" pitchFamily="18" charset="-127"/>
-                <a:ea typeface="경기천년제목 Medium" panose="02020603020101020101" pitchFamily="18" charset="-127"/>
-              </a:rPr>
-              <a:t> </a:t>
-            </a:r>
-            <a:r>
-              <a:rPr lang="en-US" altLang="ko-KR" sz="1900" dirty="0">
-                <a:latin typeface="경기천년제목 Medium" panose="02020603020101020101" pitchFamily="18" charset="-127"/>
-                <a:ea typeface="경기천년제목 Medium" panose="02020603020101020101" pitchFamily="18" charset="-127"/>
-              </a:rPr>
-              <a:t>2</a:t>
-            </a:r>
-            <a:r>
-              <a:rPr lang="ko-KR" altLang="en-US" sz="1900" dirty="0">
-                <a:latin typeface="경기천년제목 Medium" panose="02020603020101020101" pitchFamily="18" charset="-127"/>
-                <a:ea typeface="경기천년제목 Medium" panose="02020603020101020101" pitchFamily="18" charset="-127"/>
-              </a:rPr>
-              <a:t>번</a:t>
-            </a:r>
-            <a:r>
-              <a:rPr lang="en-US" altLang="ko-KR" sz="1900" dirty="0">
-                <a:latin typeface="경기천년제목 Medium" panose="02020603020101020101" pitchFamily="18" charset="-127"/>
-                <a:ea typeface="경기천년제목 Medium" panose="02020603020101020101" pitchFamily="18" charset="-127"/>
-              </a:rPr>
-              <a:t>(ENTER)</a:t>
-            </a:r>
-            <a:r>
-              <a:rPr lang="ko-KR" altLang="en-US" sz="1900" dirty="0">
-                <a:latin typeface="경기천년제목 Medium" panose="02020603020101020101" pitchFamily="18" charset="-127"/>
-                <a:ea typeface="경기천년제목 Medium" panose="02020603020101020101" pitchFamily="18" charset="-127"/>
-              </a:rPr>
-              <a:t>버튼을 클릭하면 출석을 알리는 </a:t>
-            </a:r>
-            <a:r>
-              <a:rPr lang="ko-KR" altLang="en-US" sz="1900" dirty="0" err="1">
-                <a:latin typeface="경기천년제목 Medium" panose="02020603020101020101" pitchFamily="18" charset="-127"/>
-                <a:ea typeface="경기천년제목 Medium" panose="02020603020101020101" pitchFamily="18" charset="-127"/>
-              </a:rPr>
-              <a:t>메시지박스</a:t>
-            </a:r>
-            <a:r>
-              <a:rPr lang="en-US" altLang="ko-KR" sz="1900" dirty="0">
-                <a:latin typeface="경기천년제목 Medium" panose="02020603020101020101" pitchFamily="18" charset="-127"/>
-                <a:ea typeface="경기천년제목 Medium" panose="02020603020101020101" pitchFamily="18" charset="-127"/>
-              </a:rPr>
-              <a:t>(3</a:t>
-            </a:r>
-            <a:r>
-              <a:rPr lang="ko-KR" altLang="en-US" sz="1900" dirty="0">
-                <a:latin typeface="경기천년제목 Medium" panose="02020603020101020101" pitchFamily="18" charset="-127"/>
-                <a:ea typeface="경기천년제목 Medium" panose="02020603020101020101" pitchFamily="18" charset="-127"/>
-              </a:rPr>
-              <a:t>번</a:t>
-            </a:r>
-            <a:r>
-              <a:rPr lang="en-US" altLang="ko-KR" sz="1900" dirty="0">
-                <a:latin typeface="경기천년제목 Medium" panose="02020603020101020101" pitchFamily="18" charset="-127"/>
-                <a:ea typeface="경기천년제목 Medium" panose="02020603020101020101" pitchFamily="18" charset="-127"/>
-              </a:rPr>
-              <a:t>)</a:t>
-            </a:r>
-            <a:r>
-              <a:rPr lang="ko-KR" altLang="en-US" sz="1900" dirty="0">
-                <a:latin typeface="경기천년제목 Medium" panose="02020603020101020101" pitchFamily="18" charset="-127"/>
-                <a:ea typeface="경기천년제목 Medium" panose="02020603020101020101" pitchFamily="18" charset="-127"/>
-              </a:rPr>
-              <a:t>이 뜹니다</a:t>
-            </a:r>
-            <a:r>
-              <a:rPr lang="en-US" altLang="ko-KR" sz="1900" dirty="0">
-                <a:latin typeface="경기천년제목 Medium" panose="02020603020101020101" pitchFamily="18" charset="-127"/>
-                <a:ea typeface="경기천년제목 Medium" panose="02020603020101020101" pitchFamily="18" charset="-127"/>
-              </a:rPr>
-              <a:t>.</a:t>
-            </a:r>
+              <a:t>아이디를 직접 </a:t>
+            </a:r>
+            <a:r>
+              <a:rPr lang="ko-KR" altLang="en-US" sz="1900" dirty="0" smtClean="0">
+                <a:latin typeface="경기천년제목 Medium" panose="02020603020101020101" pitchFamily="18" charset="-127"/>
+                <a:ea typeface="경기천년제목 Medium" panose="02020603020101020101" pitchFamily="18" charset="-127"/>
+              </a:rPr>
+              <a:t>입력하거나</a:t>
+            </a:r>
+            <a:endParaRPr lang="en-US" altLang="ko-KR" sz="1900" dirty="0" smtClean="0">
+              <a:latin typeface="경기천년제목 Medium" panose="02020603020101020101" pitchFamily="18" charset="-127"/>
+              <a:ea typeface="경기천년제목 Medium" panose="02020603020101020101" pitchFamily="18" charset="-127"/>
+            </a:endParaRPr>
           </a:p>
           <a:p>
             <a:pPr>
@@ -5860,10 +5787,165 @@
               </a:lnSpc>
             </a:pPr>
             <a:r>
+              <a:rPr lang="ko-KR" altLang="en-US" sz="1900" dirty="0" smtClean="0">
+                <a:latin typeface="경기천년제목 Medium" panose="02020603020101020101" pitchFamily="18" charset="-127"/>
+                <a:ea typeface="경기천년제목 Medium" panose="02020603020101020101" pitchFamily="18" charset="-127"/>
+              </a:rPr>
+              <a:t>아래 </a:t>
+            </a:r>
+            <a:r>
               <a:rPr lang="ko-KR" altLang="en-US" sz="1900" dirty="0">
                 <a:latin typeface="경기천년제목 Medium" panose="02020603020101020101" pitchFamily="18" charset="-127"/>
                 <a:ea typeface="경기천년제목 Medium" panose="02020603020101020101" pitchFamily="18" charset="-127"/>
               </a:rPr>
+              <a:t>번호를 클릭하면 </a:t>
+            </a:r>
+            <a:r>
+              <a:rPr lang="ko-KR" altLang="en-US" sz="1900" dirty="0" smtClean="0">
+                <a:latin typeface="경기천년제목 Medium" panose="02020603020101020101" pitchFamily="18" charset="-127"/>
+                <a:ea typeface="경기천년제목 Medium" panose="02020603020101020101" pitchFamily="18" charset="-127"/>
+              </a:rPr>
+              <a:t>그</a:t>
+            </a:r>
+            <a:endParaRPr lang="en-US" altLang="ko-KR" sz="1900" dirty="0" smtClean="0">
+              <a:latin typeface="경기천년제목 Medium" panose="02020603020101020101" pitchFamily="18" charset="-127"/>
+              <a:ea typeface="경기천년제목 Medium" panose="02020603020101020101" pitchFamily="18" charset="-127"/>
+            </a:endParaRPr>
+          </a:p>
+          <a:p>
+            <a:pPr>
+              <a:lnSpc>
+                <a:spcPct val="150000"/>
+              </a:lnSpc>
+            </a:pPr>
+            <a:r>
+              <a:rPr lang="ko-KR" altLang="en-US" sz="1900" dirty="0" smtClean="0">
+                <a:latin typeface="경기천년제목 Medium" panose="02020603020101020101" pitchFamily="18" charset="-127"/>
+                <a:ea typeface="경기천년제목 Medium" panose="02020603020101020101" pitchFamily="18" charset="-127"/>
+              </a:rPr>
+              <a:t>정보가 </a:t>
+            </a:r>
+            <a:r>
+              <a:rPr lang="ko-KR" altLang="en-US" sz="1900" dirty="0">
+                <a:latin typeface="경기천년제목 Medium" panose="02020603020101020101" pitchFamily="18" charset="-127"/>
+                <a:ea typeface="경기천년제목 Medium" panose="02020603020101020101" pitchFamily="18" charset="-127"/>
+              </a:rPr>
+              <a:t>텍스트박스에 담기고</a:t>
+            </a:r>
+            <a:r>
+              <a:rPr lang="en-US" altLang="ko-KR" sz="1900" dirty="0">
+                <a:latin typeface="경기천년제목 Medium" panose="02020603020101020101" pitchFamily="18" charset="-127"/>
+                <a:ea typeface="경기천년제목 Medium" panose="02020603020101020101" pitchFamily="18" charset="-127"/>
+              </a:rPr>
+              <a:t>,</a:t>
+            </a:r>
+            <a:r>
+              <a:rPr lang="ko-KR" altLang="en-US" sz="1900" dirty="0">
+                <a:latin typeface="경기천년제목 Medium" panose="02020603020101020101" pitchFamily="18" charset="-127"/>
+                <a:ea typeface="경기천년제목 Medium" panose="02020603020101020101" pitchFamily="18" charset="-127"/>
+              </a:rPr>
+              <a:t> </a:t>
+            </a:r>
+            <a:r>
+              <a:rPr lang="en-US" altLang="ko-KR" sz="1900" dirty="0">
+                <a:latin typeface="경기천년제목 Medium" panose="02020603020101020101" pitchFamily="18" charset="-127"/>
+                <a:ea typeface="경기천년제목 Medium" panose="02020603020101020101" pitchFamily="18" charset="-127"/>
+              </a:rPr>
+              <a:t>2</a:t>
+            </a:r>
+            <a:r>
+              <a:rPr lang="ko-KR" altLang="en-US" sz="1900" dirty="0">
+                <a:latin typeface="경기천년제목 Medium" panose="02020603020101020101" pitchFamily="18" charset="-127"/>
+                <a:ea typeface="경기천년제목 Medium" panose="02020603020101020101" pitchFamily="18" charset="-127"/>
+              </a:rPr>
+              <a:t>번</a:t>
+            </a:r>
+            <a:r>
+              <a:rPr lang="en-US" altLang="ko-KR" sz="1900" dirty="0">
+                <a:latin typeface="경기천년제목 Medium" panose="02020603020101020101" pitchFamily="18" charset="-127"/>
+                <a:ea typeface="경기천년제목 Medium" panose="02020603020101020101" pitchFamily="18" charset="-127"/>
+              </a:rPr>
+              <a:t>(ENTER)</a:t>
+            </a:r>
+            <a:r>
+              <a:rPr lang="ko-KR" altLang="en-US" sz="1900" dirty="0">
+                <a:latin typeface="경기천년제목 Medium" panose="02020603020101020101" pitchFamily="18" charset="-127"/>
+                <a:ea typeface="경기천년제목 Medium" panose="02020603020101020101" pitchFamily="18" charset="-127"/>
+              </a:rPr>
+              <a:t>버튼을 클릭하면 출석을 알리는 </a:t>
+            </a:r>
+            <a:r>
+              <a:rPr lang="ko-KR" altLang="en-US" sz="1900" dirty="0" err="1" smtClean="0">
+                <a:latin typeface="경기천년제목 Medium" panose="02020603020101020101" pitchFamily="18" charset="-127"/>
+                <a:ea typeface="경기천년제목 Medium" panose="02020603020101020101" pitchFamily="18" charset="-127"/>
+              </a:rPr>
+              <a:t>메시지박스</a:t>
+            </a:r>
+            <a:endParaRPr lang="en-US" altLang="ko-KR" sz="1900" dirty="0" smtClean="0">
+              <a:latin typeface="경기천년제목 Medium" panose="02020603020101020101" pitchFamily="18" charset="-127"/>
+              <a:ea typeface="경기천년제목 Medium" panose="02020603020101020101" pitchFamily="18" charset="-127"/>
+            </a:endParaRPr>
+          </a:p>
+          <a:p>
+            <a:pPr>
+              <a:lnSpc>
+                <a:spcPct val="150000"/>
+              </a:lnSpc>
+            </a:pPr>
+            <a:r>
+              <a:rPr lang="en-US" altLang="ko-KR" sz="1900" dirty="0" smtClean="0">
+                <a:latin typeface="경기천년제목 Medium" panose="02020603020101020101" pitchFamily="18" charset="-127"/>
+                <a:ea typeface="경기천년제목 Medium" panose="02020603020101020101" pitchFamily="18" charset="-127"/>
+              </a:rPr>
+              <a:t>(</a:t>
+            </a:r>
+            <a:r>
+              <a:rPr lang="en-US" altLang="ko-KR" sz="1900" dirty="0">
+                <a:latin typeface="경기천년제목 Medium" panose="02020603020101020101" pitchFamily="18" charset="-127"/>
+                <a:ea typeface="경기천년제목 Medium" panose="02020603020101020101" pitchFamily="18" charset="-127"/>
+              </a:rPr>
+              <a:t>3</a:t>
+            </a:r>
+            <a:r>
+              <a:rPr lang="ko-KR" altLang="en-US" sz="1900" dirty="0">
+                <a:latin typeface="경기천년제목 Medium" panose="02020603020101020101" pitchFamily="18" charset="-127"/>
+                <a:ea typeface="경기천년제목 Medium" panose="02020603020101020101" pitchFamily="18" charset="-127"/>
+              </a:rPr>
+              <a:t>번</a:t>
+            </a:r>
+            <a:r>
+              <a:rPr lang="en-US" altLang="ko-KR" sz="1900" dirty="0">
+                <a:latin typeface="경기천년제목 Medium" panose="02020603020101020101" pitchFamily="18" charset="-127"/>
+                <a:ea typeface="경기천년제목 Medium" panose="02020603020101020101" pitchFamily="18" charset="-127"/>
+              </a:rPr>
+              <a:t>)</a:t>
+            </a:r>
+            <a:r>
+              <a:rPr lang="ko-KR" altLang="en-US" sz="1900" dirty="0">
+                <a:latin typeface="경기천년제목 Medium" panose="02020603020101020101" pitchFamily="18" charset="-127"/>
+                <a:ea typeface="경기천년제목 Medium" panose="02020603020101020101" pitchFamily="18" charset="-127"/>
+              </a:rPr>
+              <a:t>이 뜹니다</a:t>
+            </a:r>
+            <a:r>
+              <a:rPr lang="en-US" altLang="ko-KR" sz="1900" dirty="0">
+                <a:latin typeface="경기천년제목 Medium" panose="02020603020101020101" pitchFamily="18" charset="-127"/>
+                <a:ea typeface="경기천년제목 Medium" panose="02020603020101020101" pitchFamily="18" charset="-127"/>
+              </a:rPr>
+              <a:t>.</a:t>
+            </a:r>
+          </a:p>
+          <a:p>
+            <a:pPr>
+              <a:lnSpc>
+                <a:spcPct val="150000"/>
+              </a:lnSpc>
+            </a:pPr>
+            <a:r>
+              <a:rPr lang="ko-KR" altLang="en-US" sz="1900" dirty="0">
+                <a:latin typeface="경기천년제목 Medium" panose="02020603020101020101" pitchFamily="18" charset="-127"/>
+                <a:ea typeface="경기천년제목 Medium" panose="02020603020101020101" pitchFamily="18" charset="-127"/>
+              </a:rPr>
               <a:t>반대로 </a:t>
             </a:r>
             <a:r>
@@ -5892,10 +5974,28 @@
                 <a:latin typeface="경기천년제목 Medium" panose="02020603020101020101" pitchFamily="18" charset="-127"/>
                 <a:ea typeface="경기천년제목 Medium" panose="02020603020101020101" pitchFamily="18" charset="-127"/>
               </a:rPr>
-              <a:t>버튼을 클릭하면 퇴장을 알리는 </a:t>
-            </a:r>
-            <a:r>
-              <a:rPr lang="ko-KR" altLang="en-US" sz="1900" dirty="0" err="1">
+              <a:t>버튼을 클릭하면 퇴장을 </a:t>
+            </a:r>
+            <a:r>
+              <a:rPr lang="ko-KR" altLang="en-US" sz="1900" dirty="0" smtClean="0">
+                <a:latin typeface="경기천년제목 Medium" panose="02020603020101020101" pitchFamily="18" charset="-127"/>
+                <a:ea typeface="경기천년제목 Medium" panose="02020603020101020101" pitchFamily="18" charset="-127"/>
+              </a:rPr>
+              <a:t>알리는</a:t>
+            </a:r>
+            <a:endParaRPr lang="en-US" altLang="ko-KR" sz="1900" dirty="0" smtClean="0">
+              <a:latin typeface="경기천년제목 Medium" panose="02020603020101020101" pitchFamily="18" charset="-127"/>
+              <a:ea typeface="경기천년제목 Medium" panose="02020603020101020101" pitchFamily="18" charset="-127"/>
+            </a:endParaRPr>
+          </a:p>
+          <a:p>
+            <a:pPr>
+              <a:lnSpc>
+                <a:spcPct val="150000"/>
+              </a:lnSpc>
+            </a:pPr>
+            <a:r>
+              <a:rPr lang="ko-KR" altLang="en-US" sz="1900" dirty="0" err="1" smtClean="0">
                 <a:latin typeface="경기천년제목 Medium" panose="02020603020101020101" pitchFamily="18" charset="-127"/>
                 <a:ea typeface="경기천년제목 Medium" panose="02020603020101020101" pitchFamily="18" charset="-127"/>
               </a:rPr>
@@ -6213,7 +6313,7 @@
         </p:nvSpPr>
         <p:spPr>
           <a:xfrm>
-            <a:off x="9460655" y="4981296"/>
+            <a:off x="9426617" y="5037670"/>
             <a:ext cx="1472212" cy="399460"/>
           </a:xfrm>
           <a:prstGeom prst="rect">
@@ -6266,8 +6366,8 @@
         </p:nvSpPr>
         <p:spPr>
           <a:xfrm>
-            <a:off x="10361344" y="3672083"/>
-            <a:ext cx="952278" cy="399460"/>
+            <a:off x="9432070" y="4146344"/>
+            <a:ext cx="522129" cy="399460"/>
           </a:xfrm>
           <a:prstGeom prst="rect">
             <a:avLst/>
@@ -6319,7 +6419,7 @@
         </p:nvSpPr>
         <p:spPr>
           <a:xfrm>
-            <a:off x="10305467" y="1946784"/>
+            <a:off x="10497852" y="2009491"/>
             <a:ext cx="498764" cy="399460"/>
           </a:xfrm>
           <a:prstGeom prst="rect">
@@ -6372,7 +6472,7 @@
         </p:nvSpPr>
         <p:spPr>
           <a:xfrm>
-            <a:off x="9404779" y="1083729"/>
+            <a:off x="9394181" y="1113461"/>
             <a:ext cx="2444436" cy="399460"/>
           </a:xfrm>
           <a:prstGeom prst="rect">
@@ -6828,8 +6928,8 @@
         </p:nvSpPr>
         <p:spPr>
           <a:xfrm>
-            <a:off x="9364748" y="969701"/>
-            <a:ext cx="2792957" cy="4916731"/>
+            <a:off x="9336891" y="1014667"/>
+            <a:ext cx="3156982" cy="4916731"/>
           </a:xfrm>
           <a:prstGeom prst="rect">
             <a:avLst/>
@@ -6869,95 +6969,11 @@
               <a:t>번</a:t>
             </a:r>
             <a:r>
-              <a:rPr lang="en-US" altLang="ko-KR" sz="1900" dirty="0">
+              <a:rPr lang="en-US" altLang="ko-KR" sz="1900" dirty="0" smtClean="0">
                 <a:latin typeface="경기천년제목 Medium" panose="02020603020101020101" pitchFamily="18" charset="-127"/>
                 <a:ea typeface="경기천년제목 Medium" panose="02020603020101020101" pitchFamily="18" charset="-127"/>
               </a:rPr>
               <a:t>)</a:t>
-            </a:r>
-            <a:r>
-              <a:rPr lang="ko-KR" altLang="en-US" sz="1900" dirty="0">
-                <a:latin typeface="경기천년제목 Medium" panose="02020603020101020101" pitchFamily="18" charset="-127"/>
-                <a:ea typeface="경기천년제목 Medium" panose="02020603020101020101" pitchFamily="18" charset="-127"/>
-              </a:rPr>
-              <a:t>에서 내용을 입력하고 아래 </a:t>
-            </a:r>
-            <a:r>
-              <a:rPr lang="ko-KR" altLang="en-US" sz="1900" dirty="0" err="1">
-                <a:latin typeface="경기천년제목 Medium" panose="02020603020101020101" pitchFamily="18" charset="-127"/>
-                <a:ea typeface="경기천년제목 Medium" panose="02020603020101020101" pitchFamily="18" charset="-127"/>
-              </a:rPr>
-              <a:t>리스트박스</a:t>
-            </a:r>
-            <a:r>
-              <a:rPr lang="en-US" altLang="ko-KR" sz="1900" dirty="0">
-                <a:latin typeface="경기천년제목 Medium" panose="02020603020101020101" pitchFamily="18" charset="-127"/>
-                <a:ea typeface="경기천년제목 Medium" panose="02020603020101020101" pitchFamily="18" charset="-127"/>
-              </a:rPr>
-              <a:t>(2</a:t>
-            </a:r>
-            <a:r>
-              <a:rPr lang="ko-KR" altLang="en-US" sz="1900" dirty="0">
-                <a:latin typeface="경기천년제목 Medium" panose="02020603020101020101" pitchFamily="18" charset="-127"/>
-                <a:ea typeface="경기천년제목 Medium" panose="02020603020101020101" pitchFamily="18" charset="-127"/>
-              </a:rPr>
-              <a:t>번</a:t>
-            </a:r>
-            <a:r>
-              <a:rPr lang="en-US" altLang="ko-KR" sz="1900" dirty="0">
-                <a:latin typeface="경기천년제목 Medium" panose="02020603020101020101" pitchFamily="18" charset="-127"/>
-                <a:ea typeface="경기천년제목 Medium" panose="02020603020101020101" pitchFamily="18" charset="-127"/>
-              </a:rPr>
-              <a:t>)</a:t>
-            </a:r>
-            <a:r>
-              <a:rPr lang="ko-KR" altLang="en-US" sz="1900" dirty="0">
-                <a:latin typeface="경기천년제목 Medium" panose="02020603020101020101" pitchFamily="18" charset="-127"/>
-                <a:ea typeface="경기천년제목 Medium" panose="02020603020101020101" pitchFamily="18" charset="-127"/>
-              </a:rPr>
-              <a:t>에 해당 사항을 체크한 후 등록버튼을 클릭하면 등록이 완료되었다는 메시지박스가 뜨고 총 결제금액이 라벨</a:t>
-            </a:r>
-            <a:r>
-              <a:rPr lang="en-US" altLang="ko-KR" sz="1900" dirty="0">
-                <a:latin typeface="경기천년제목 Medium" panose="02020603020101020101" pitchFamily="18" charset="-127"/>
-                <a:ea typeface="경기천년제목 Medium" panose="02020603020101020101" pitchFamily="18" charset="-127"/>
-              </a:rPr>
-              <a:t>(3</a:t>
-            </a:r>
-            <a:r>
-              <a:rPr lang="ko-KR" altLang="en-US" sz="1900" dirty="0">
-                <a:latin typeface="경기천년제목 Medium" panose="02020603020101020101" pitchFamily="18" charset="-127"/>
-                <a:ea typeface="경기천년제목 Medium" panose="02020603020101020101" pitchFamily="18" charset="-127"/>
-              </a:rPr>
-              <a:t>번</a:t>
-            </a:r>
-            <a:r>
-              <a:rPr lang="en-US" altLang="ko-KR" sz="1900" dirty="0">
-                <a:latin typeface="경기천년제목 Medium" panose="02020603020101020101" pitchFamily="18" charset="-127"/>
-                <a:ea typeface="경기천년제목 Medium" panose="02020603020101020101" pitchFamily="18" charset="-127"/>
-              </a:rPr>
-              <a:t>)</a:t>
-            </a:r>
-            <a:r>
-              <a:rPr lang="ko-KR" altLang="en-US" sz="1900" dirty="0">
-                <a:latin typeface="경기천년제목 Medium" panose="02020603020101020101" pitchFamily="18" charset="-127"/>
-                <a:ea typeface="경기천년제목 Medium" panose="02020603020101020101" pitchFamily="18" charset="-127"/>
-              </a:rPr>
-              <a:t>에 </a:t>
-            </a:r>
-            <a:r>
-              <a:rPr lang="ko-KR" altLang="en-US" sz="1900" dirty="0" err="1">
-                <a:latin typeface="경기천년제목 Medium" panose="02020603020101020101" pitchFamily="18" charset="-127"/>
-                <a:ea typeface="경기천년제목 Medium" panose="02020603020101020101" pitchFamily="18" charset="-127"/>
-              </a:rPr>
-              <a:t>뜨게됩니다</a:t>
-            </a:r>
-            <a:r>
-              <a:rPr lang="en-US" altLang="ko-KR" sz="1900" dirty="0">
-                <a:latin typeface="경기천년제목 Medium" panose="02020603020101020101" pitchFamily="18" charset="-127"/>
-                <a:ea typeface="경기천년제목 Medium" panose="02020603020101020101" pitchFamily="18" charset="-127"/>
-              </a:rPr>
-              <a:t>.</a:t>
             </a:r>
           </a:p>
           <a:p>
@@ -6967,17 +6983,308 @@
               </a:lnSpc>
             </a:pPr>
             <a:r>
+              <a:rPr lang="ko-KR" altLang="en-US" sz="1900" dirty="0" smtClean="0">
+                <a:latin typeface="경기천년제목 Medium" panose="02020603020101020101" pitchFamily="18" charset="-127"/>
+                <a:ea typeface="경기천년제목 Medium" panose="02020603020101020101" pitchFamily="18" charset="-127"/>
+              </a:rPr>
+              <a:t>에서 </a:t>
+            </a:r>
+            <a:r>
               <a:rPr lang="ko-KR" altLang="en-US" sz="1900" dirty="0">
                 <a:latin typeface="경기천년제목 Medium" panose="02020603020101020101" pitchFamily="18" charset="-127"/>
                 <a:ea typeface="경기천년제목 Medium" panose="02020603020101020101" pitchFamily="18" charset="-127"/>
               </a:rPr>
-              <a:t>입력 및 체크한 회원 정보가 </a:t>
+              <a:t>내용을 입력하고 </a:t>
+            </a:r>
+            <a:r>
+              <a:rPr lang="ko-KR" altLang="en-US" sz="1900" dirty="0" smtClean="0">
+                <a:latin typeface="경기천년제목 Medium" panose="02020603020101020101" pitchFamily="18" charset="-127"/>
+                <a:ea typeface="경기천년제목 Medium" panose="02020603020101020101" pitchFamily="18" charset="-127"/>
+              </a:rPr>
+              <a:t>아래</a:t>
+            </a:r>
+            <a:endParaRPr lang="en-US" altLang="ko-KR" sz="1900" dirty="0" smtClean="0">
+              <a:latin typeface="경기천년제목 Medium" panose="02020603020101020101" pitchFamily="18" charset="-127"/>
+              <a:ea typeface="경기천년제목 Medium" panose="02020603020101020101" pitchFamily="18" charset="-127"/>
+            </a:endParaRPr>
+          </a:p>
+          <a:p>
+            <a:pPr>
+              <a:lnSpc>
+                <a:spcPct val="150000"/>
+              </a:lnSpc>
+            </a:pPr>
+            <a:r>
+              <a:rPr lang="ko-KR" altLang="en-US" sz="1900" dirty="0" err="1" smtClean="0">
+                <a:latin typeface="경기천년제목 Medium" panose="02020603020101020101" pitchFamily="18" charset="-127"/>
+                <a:ea typeface="경기천년제목 Medium" panose="02020603020101020101" pitchFamily="18" charset="-127"/>
+              </a:rPr>
+              <a:t>리스트박스</a:t>
             </a:r>
             <a:r>
               <a:rPr lang="en-US" altLang="ko-KR" sz="1900" dirty="0">
                 <a:latin typeface="경기천년제목 Medium" panose="02020603020101020101" pitchFamily="18" charset="-127"/>
                 <a:ea typeface="경기천년제목 Medium" panose="02020603020101020101" pitchFamily="18" charset="-127"/>
               </a:rPr>
+              <a:t>(2</a:t>
+            </a:r>
+            <a:r>
+              <a:rPr lang="ko-KR" altLang="en-US" sz="1900" dirty="0">
+                <a:latin typeface="경기천년제목 Medium" panose="02020603020101020101" pitchFamily="18" charset="-127"/>
+                <a:ea typeface="경기천년제목 Medium" panose="02020603020101020101" pitchFamily="18" charset="-127"/>
+              </a:rPr>
+              <a:t>번</a:t>
+            </a:r>
+            <a:r>
+              <a:rPr lang="en-US" altLang="ko-KR" sz="1900" dirty="0">
+                <a:latin typeface="경기천년제목 Medium" panose="02020603020101020101" pitchFamily="18" charset="-127"/>
+                <a:ea typeface="경기천년제목 Medium" panose="02020603020101020101" pitchFamily="18" charset="-127"/>
+              </a:rPr>
+              <a:t>)</a:t>
+            </a:r>
+            <a:r>
+              <a:rPr lang="ko-KR" altLang="en-US" sz="1900" dirty="0" smtClean="0">
+                <a:latin typeface="경기천년제목 Medium" panose="02020603020101020101" pitchFamily="18" charset="-127"/>
+                <a:ea typeface="경기천년제목 Medium" panose="02020603020101020101" pitchFamily="18" charset="-127"/>
+              </a:rPr>
+              <a:t>에</a:t>
+            </a:r>
+            <a:endParaRPr lang="en-US" altLang="ko-KR" sz="1900" dirty="0" smtClean="0">
+              <a:latin typeface="경기천년제목 Medium" panose="02020603020101020101" pitchFamily="18" charset="-127"/>
+              <a:ea typeface="경기천년제목 Medium" panose="02020603020101020101" pitchFamily="18" charset="-127"/>
+            </a:endParaRPr>
+          </a:p>
+          <a:p>
+            <a:pPr>
+              <a:lnSpc>
+                <a:spcPct val="150000"/>
+              </a:lnSpc>
+            </a:pPr>
+            <a:r>
+              <a:rPr lang="ko-KR" altLang="en-US" sz="1900" dirty="0" smtClean="0">
+                <a:latin typeface="경기천년제목 Medium" panose="02020603020101020101" pitchFamily="18" charset="-127"/>
+                <a:ea typeface="경기천년제목 Medium" panose="02020603020101020101" pitchFamily="18" charset="-127"/>
+              </a:rPr>
+              <a:t>해당사항을 </a:t>
+            </a:r>
+            <a:r>
+              <a:rPr lang="ko-KR" altLang="en-US" sz="1900" dirty="0">
+                <a:latin typeface="경기천년제목 Medium" panose="02020603020101020101" pitchFamily="18" charset="-127"/>
+                <a:ea typeface="경기천년제목 Medium" panose="02020603020101020101" pitchFamily="18" charset="-127"/>
+              </a:rPr>
+              <a:t>체크한 후 </a:t>
+            </a:r>
+            <a:endParaRPr lang="en-US" altLang="ko-KR" sz="1900" dirty="0" smtClean="0">
+              <a:latin typeface="경기천년제목 Medium" panose="02020603020101020101" pitchFamily="18" charset="-127"/>
+              <a:ea typeface="경기천년제목 Medium" panose="02020603020101020101" pitchFamily="18" charset="-127"/>
+            </a:endParaRPr>
+          </a:p>
+          <a:p>
+            <a:pPr>
+              <a:lnSpc>
+                <a:spcPct val="150000"/>
+              </a:lnSpc>
+            </a:pPr>
+            <a:r>
+              <a:rPr lang="ko-KR" altLang="en-US" sz="1900" dirty="0" smtClean="0">
+                <a:latin typeface="경기천년제목 Medium" panose="02020603020101020101" pitchFamily="18" charset="-127"/>
+                <a:ea typeface="경기천년제목 Medium" panose="02020603020101020101" pitchFamily="18" charset="-127"/>
+              </a:rPr>
+              <a:t>등록버튼을 </a:t>
+            </a:r>
+            <a:r>
+              <a:rPr lang="ko-KR" altLang="en-US" sz="1900" dirty="0">
+                <a:latin typeface="경기천년제목 Medium" panose="02020603020101020101" pitchFamily="18" charset="-127"/>
+                <a:ea typeface="경기천년제목 Medium" panose="02020603020101020101" pitchFamily="18" charset="-127"/>
+              </a:rPr>
+              <a:t>클릭하면 </a:t>
+            </a:r>
+            <a:r>
+              <a:rPr lang="ko-KR" altLang="en-US" sz="1900" dirty="0" smtClean="0">
+                <a:latin typeface="경기천년제목 Medium" panose="02020603020101020101" pitchFamily="18" charset="-127"/>
+                <a:ea typeface="경기천년제목 Medium" panose="02020603020101020101" pitchFamily="18" charset="-127"/>
+              </a:rPr>
+              <a:t>등록이</a:t>
+            </a:r>
+            <a:endParaRPr lang="en-US" altLang="ko-KR" sz="1900" dirty="0" smtClean="0">
+              <a:latin typeface="경기천년제목 Medium" panose="02020603020101020101" pitchFamily="18" charset="-127"/>
+              <a:ea typeface="경기천년제목 Medium" panose="02020603020101020101" pitchFamily="18" charset="-127"/>
+            </a:endParaRPr>
+          </a:p>
+          <a:p>
+            <a:pPr>
+              <a:lnSpc>
+                <a:spcPct val="150000"/>
+              </a:lnSpc>
+            </a:pPr>
+            <a:r>
+              <a:rPr lang="ko-KR" altLang="en-US" sz="1900" dirty="0" smtClean="0">
+                <a:latin typeface="경기천년제목 Medium" panose="02020603020101020101" pitchFamily="18" charset="-127"/>
+                <a:ea typeface="경기천년제목 Medium" panose="02020603020101020101" pitchFamily="18" charset="-127"/>
+              </a:rPr>
+              <a:t>완료되었다는</a:t>
+            </a:r>
+            <a:r>
+              <a:rPr lang="en-US" altLang="ko-KR" sz="1900" dirty="0">
+                <a:latin typeface="경기천년제목 Medium" panose="02020603020101020101" pitchFamily="18" charset="-127"/>
+                <a:ea typeface="경기천년제목 Medium" panose="02020603020101020101" pitchFamily="18" charset="-127"/>
+              </a:rPr>
+              <a:t> </a:t>
+            </a:r>
+            <a:r>
+              <a:rPr lang="ko-KR" altLang="en-US" sz="1900" dirty="0" smtClean="0">
+                <a:latin typeface="경기천년제목 Medium" panose="02020603020101020101" pitchFamily="18" charset="-127"/>
+                <a:ea typeface="경기천년제목 Medium" panose="02020603020101020101" pitchFamily="18" charset="-127"/>
+              </a:rPr>
+              <a:t>메시지박스가</a:t>
+            </a:r>
+            <a:endParaRPr lang="en-US" altLang="ko-KR" sz="1900" dirty="0" smtClean="0">
+              <a:latin typeface="경기천년제목 Medium" panose="02020603020101020101" pitchFamily="18" charset="-127"/>
+              <a:ea typeface="경기천년제목 Medium" panose="02020603020101020101" pitchFamily="18" charset="-127"/>
+            </a:endParaRPr>
+          </a:p>
+          <a:p>
+            <a:pPr>
+              <a:lnSpc>
+                <a:spcPct val="150000"/>
+              </a:lnSpc>
+            </a:pPr>
+            <a:r>
+              <a:rPr lang="ko-KR" altLang="en-US" sz="1900" dirty="0" smtClean="0">
+                <a:latin typeface="경기천년제목 Medium" panose="02020603020101020101" pitchFamily="18" charset="-127"/>
+                <a:ea typeface="경기천년제목 Medium" panose="02020603020101020101" pitchFamily="18" charset="-127"/>
+              </a:rPr>
+              <a:t>뜨고</a:t>
+            </a:r>
+            <a:r>
+              <a:rPr lang="en-US" altLang="ko-KR" sz="1900" dirty="0" smtClean="0">
+                <a:latin typeface="경기천년제목 Medium" panose="02020603020101020101" pitchFamily="18" charset="-127"/>
+                <a:ea typeface="경기천년제목 Medium" panose="02020603020101020101" pitchFamily="18" charset="-127"/>
+              </a:rPr>
+              <a:t>,</a:t>
+            </a:r>
+            <a:r>
+              <a:rPr lang="ko-KR" altLang="en-US" sz="1900" dirty="0" smtClean="0">
+                <a:latin typeface="경기천년제목 Medium" panose="02020603020101020101" pitchFamily="18" charset="-127"/>
+                <a:ea typeface="경기천년제목 Medium" panose="02020603020101020101" pitchFamily="18" charset="-127"/>
+              </a:rPr>
+              <a:t> </a:t>
+            </a:r>
+            <a:r>
+              <a:rPr lang="ko-KR" altLang="en-US" sz="1900" dirty="0">
+                <a:latin typeface="경기천년제목 Medium" panose="02020603020101020101" pitchFamily="18" charset="-127"/>
+                <a:ea typeface="경기천년제목 Medium" panose="02020603020101020101" pitchFamily="18" charset="-127"/>
+              </a:rPr>
+              <a:t>총 </a:t>
+            </a:r>
+            <a:r>
+              <a:rPr lang="ko-KR" altLang="en-US" sz="1900" dirty="0" smtClean="0">
+                <a:latin typeface="경기천년제목 Medium" panose="02020603020101020101" pitchFamily="18" charset="-127"/>
+                <a:ea typeface="경기천년제목 Medium" panose="02020603020101020101" pitchFamily="18" charset="-127"/>
+              </a:rPr>
+              <a:t>결제금액이 라벨</a:t>
+            </a:r>
+            <a:endParaRPr lang="en-US" altLang="ko-KR" sz="1900" dirty="0" smtClean="0">
+              <a:latin typeface="경기천년제목 Medium" panose="02020603020101020101" pitchFamily="18" charset="-127"/>
+              <a:ea typeface="경기천년제목 Medium" panose="02020603020101020101" pitchFamily="18" charset="-127"/>
+            </a:endParaRPr>
+          </a:p>
+          <a:p>
+            <a:pPr>
+              <a:lnSpc>
+                <a:spcPct val="150000"/>
+              </a:lnSpc>
+            </a:pPr>
+            <a:r>
+              <a:rPr lang="en-US" altLang="ko-KR" sz="1900" dirty="0" smtClean="0">
+                <a:latin typeface="경기천년제목 Medium" panose="02020603020101020101" pitchFamily="18" charset="-127"/>
+                <a:ea typeface="경기천년제목 Medium" panose="02020603020101020101" pitchFamily="18" charset="-127"/>
+              </a:rPr>
+              <a:t>(</a:t>
+            </a:r>
+            <a:r>
+              <a:rPr lang="en-US" altLang="ko-KR" sz="1900" dirty="0">
+                <a:latin typeface="경기천년제목 Medium" panose="02020603020101020101" pitchFamily="18" charset="-127"/>
+                <a:ea typeface="경기천년제목 Medium" panose="02020603020101020101" pitchFamily="18" charset="-127"/>
+              </a:rPr>
+              <a:t>3</a:t>
+            </a:r>
+            <a:r>
+              <a:rPr lang="ko-KR" altLang="en-US" sz="1900" dirty="0">
+                <a:latin typeface="경기천년제목 Medium" panose="02020603020101020101" pitchFamily="18" charset="-127"/>
+                <a:ea typeface="경기천년제목 Medium" panose="02020603020101020101" pitchFamily="18" charset="-127"/>
+              </a:rPr>
+              <a:t>번</a:t>
+            </a:r>
+            <a:r>
+              <a:rPr lang="en-US" altLang="ko-KR" sz="1900" dirty="0">
+                <a:latin typeface="경기천년제목 Medium" panose="02020603020101020101" pitchFamily="18" charset="-127"/>
+                <a:ea typeface="경기천년제목 Medium" panose="02020603020101020101" pitchFamily="18" charset="-127"/>
+              </a:rPr>
+              <a:t>)</a:t>
+            </a:r>
+            <a:r>
+              <a:rPr lang="ko-KR" altLang="en-US" sz="1900" dirty="0">
+                <a:latin typeface="경기천년제목 Medium" panose="02020603020101020101" pitchFamily="18" charset="-127"/>
+                <a:ea typeface="경기천년제목 Medium" panose="02020603020101020101" pitchFamily="18" charset="-127"/>
+              </a:rPr>
+              <a:t>에 </a:t>
+            </a:r>
+            <a:r>
+              <a:rPr lang="ko-KR" altLang="en-US" sz="1900" dirty="0" smtClean="0">
+                <a:latin typeface="경기천년제목 Medium" panose="02020603020101020101" pitchFamily="18" charset="-127"/>
+                <a:ea typeface="경기천년제목 Medium" panose="02020603020101020101" pitchFamily="18" charset="-127"/>
+              </a:rPr>
+              <a:t>뜹니다</a:t>
+            </a:r>
+            <a:r>
+              <a:rPr lang="en-US" altLang="ko-KR" sz="1900" dirty="0" smtClean="0">
+                <a:latin typeface="경기천년제목 Medium" panose="02020603020101020101" pitchFamily="18" charset="-127"/>
+                <a:ea typeface="경기천년제목 Medium" panose="02020603020101020101" pitchFamily="18" charset="-127"/>
+              </a:rPr>
+              <a:t>.</a:t>
+            </a:r>
+            <a:endParaRPr lang="en-US" altLang="ko-KR" sz="1900" dirty="0">
+              <a:latin typeface="경기천년제목 Medium" panose="02020603020101020101" pitchFamily="18" charset="-127"/>
+              <a:ea typeface="경기천년제목 Medium" panose="02020603020101020101" pitchFamily="18" charset="-127"/>
+            </a:endParaRPr>
+          </a:p>
+          <a:p>
+            <a:pPr>
+              <a:lnSpc>
+                <a:spcPct val="150000"/>
+              </a:lnSpc>
+            </a:pPr>
+            <a:r>
+              <a:rPr lang="ko-KR" altLang="en-US" sz="1900" dirty="0">
+                <a:latin typeface="경기천년제목 Medium" panose="02020603020101020101" pitchFamily="18" charset="-127"/>
+                <a:ea typeface="경기천년제목 Medium" panose="02020603020101020101" pitchFamily="18" charset="-127"/>
+              </a:rPr>
+              <a:t>입력 및 체크한 회원 </a:t>
+            </a:r>
+            <a:r>
+              <a:rPr lang="ko-KR" altLang="en-US" sz="1900" dirty="0" smtClean="0">
+                <a:latin typeface="경기천년제목 Medium" panose="02020603020101020101" pitchFamily="18" charset="-127"/>
+                <a:ea typeface="경기천년제목 Medium" panose="02020603020101020101" pitchFamily="18" charset="-127"/>
+              </a:rPr>
+              <a:t>정보가</a:t>
+            </a:r>
+            <a:endParaRPr lang="en-US" altLang="ko-KR" sz="1900" dirty="0" smtClean="0">
+              <a:latin typeface="경기천년제목 Medium" panose="02020603020101020101" pitchFamily="18" charset="-127"/>
+              <a:ea typeface="경기천년제목 Medium" panose="02020603020101020101" pitchFamily="18" charset="-127"/>
+            </a:endParaRPr>
+          </a:p>
+          <a:p>
+            <a:pPr>
+              <a:lnSpc>
+                <a:spcPct val="150000"/>
+              </a:lnSpc>
+            </a:pPr>
+            <a:r>
+              <a:rPr lang="en-US" altLang="ko-KR" sz="1900" dirty="0" smtClean="0">
+                <a:latin typeface="경기천년제목 Medium" panose="02020603020101020101" pitchFamily="18" charset="-127"/>
+                <a:ea typeface="경기천년제목 Medium" panose="02020603020101020101" pitchFamily="18" charset="-127"/>
+              </a:rPr>
               <a:t>DB</a:t>
             </a:r>
             <a:r>
@@ -7009,11 +7316,29 @@
               <a:t>)</a:t>
             </a:r>
             <a:r>
-              <a:rPr lang="ko-KR" altLang="en-US" sz="1900" dirty="0">
-                <a:latin typeface="경기천년제목 Medium" panose="02020603020101020101" pitchFamily="18" charset="-127"/>
-                <a:ea typeface="경기천년제목 Medium" panose="02020603020101020101" pitchFamily="18" charset="-127"/>
-              </a:rPr>
-              <a:t>에  들어갑니다</a:t>
+              <a:rPr lang="ko-KR" altLang="en-US" sz="1900" dirty="0" smtClean="0">
+                <a:latin typeface="경기천년제목 Medium" panose="02020603020101020101" pitchFamily="18" charset="-127"/>
+                <a:ea typeface="경기천년제목 Medium" panose="02020603020101020101" pitchFamily="18" charset="-127"/>
+              </a:rPr>
+              <a:t>에</a:t>
+            </a:r>
+            <a:endParaRPr lang="en-US" altLang="ko-KR" sz="1900" dirty="0" smtClean="0">
+              <a:latin typeface="경기천년제목 Medium" panose="02020603020101020101" pitchFamily="18" charset="-127"/>
+              <a:ea typeface="경기천년제목 Medium" panose="02020603020101020101" pitchFamily="18" charset="-127"/>
+            </a:endParaRPr>
+          </a:p>
+          <a:p>
+            <a:pPr>
+              <a:lnSpc>
+                <a:spcPct val="150000"/>
+              </a:lnSpc>
+            </a:pPr>
+            <a:r>
+              <a:rPr lang="ko-KR" altLang="en-US" sz="1900" dirty="0" smtClean="0">
+                <a:latin typeface="경기천년제목 Medium" panose="02020603020101020101" pitchFamily="18" charset="-127"/>
+                <a:ea typeface="경기천년제목 Medium" panose="02020603020101020101" pitchFamily="18" charset="-127"/>
+              </a:rPr>
+              <a:t>들어갑니다</a:t>
             </a:r>
             <a:r>
               <a:rPr lang="en-US" altLang="ko-KR" sz="1900" dirty="0">
@@ -9324,7 +9649,7 @@
         </p:nvSpPr>
         <p:spPr>
           <a:xfrm>
-            <a:off x="10289403" y="4550872"/>
+            <a:off x="11409232" y="4598888"/>
             <a:ext cx="539326" cy="399460"/>
           </a:xfrm>
           <a:prstGeom prst="rect">
@@ -9377,7 +9702,7 @@
         </p:nvSpPr>
         <p:spPr>
           <a:xfrm>
-            <a:off x="9666977" y="2823906"/>
+            <a:off x="9457449" y="2857683"/>
             <a:ext cx="539326" cy="399460"/>
           </a:xfrm>
           <a:prstGeom prst="rect">
@@ -9910,8 +10235,8 @@
         </p:nvSpPr>
         <p:spPr>
           <a:xfrm>
-            <a:off x="9364749" y="984292"/>
-            <a:ext cx="2757179" cy="4478149"/>
+            <a:off x="9380044" y="1014667"/>
+            <a:ext cx="2945709" cy="4916731"/>
           </a:xfrm>
           <a:prstGeom prst="rect">
             <a:avLst/>
@@ -9951,158 +10276,283 @@
               <a:t>회원정보 </a:t>
             </a:r>
             <a:r>
+              <a:rPr lang="ko-KR" altLang="en-US" sz="1900" dirty="0" err="1" smtClean="0">
+                <a:latin typeface="경기천년제목 Medium" panose="02020603020101020101" pitchFamily="18" charset="-127"/>
+                <a:ea typeface="경기천년제목 Medium" panose="02020603020101020101" pitchFamily="18" charset="-127"/>
+              </a:rPr>
+              <a:t>조회창에서</a:t>
+            </a:r>
+            <a:endParaRPr lang="en-US" altLang="ko-KR" sz="1900" dirty="0">
+              <a:latin typeface="경기천년제목 Medium" panose="02020603020101020101" pitchFamily="18" charset="-127"/>
+              <a:ea typeface="경기천년제목 Medium" panose="02020603020101020101" pitchFamily="18" charset="-127"/>
+            </a:endParaRPr>
+          </a:p>
+          <a:p>
+            <a:pPr>
+              <a:lnSpc>
+                <a:spcPct val="150000"/>
+              </a:lnSpc>
+            </a:pPr>
+            <a:r>
+              <a:rPr lang="ko-KR" altLang="en-US" sz="1900" dirty="0" smtClean="0">
+                <a:latin typeface="경기천년제목 Medium" panose="02020603020101020101" pitchFamily="18" charset="-127"/>
+                <a:ea typeface="경기천년제목 Medium" panose="02020603020101020101" pitchFamily="18" charset="-127"/>
+              </a:rPr>
+              <a:t>오른쪽 </a:t>
+            </a:r>
+            <a:r>
+              <a:rPr lang="ko-KR" altLang="en-US" sz="1900" dirty="0">
+                <a:latin typeface="경기천년제목 Medium" panose="02020603020101020101" pitchFamily="18" charset="-127"/>
+                <a:ea typeface="경기천년제목 Medium" panose="02020603020101020101" pitchFamily="18" charset="-127"/>
+              </a:rPr>
+              <a:t>하단의 버튼</a:t>
+            </a:r>
+            <a:r>
+              <a:rPr lang="en-US" altLang="ko-KR" sz="1900" dirty="0">
+                <a:latin typeface="경기천년제목 Medium" panose="02020603020101020101" pitchFamily="18" charset="-127"/>
+                <a:ea typeface="경기천년제목 Medium" panose="02020603020101020101" pitchFamily="18" charset="-127"/>
+              </a:rPr>
+              <a:t>(1</a:t>
+            </a:r>
+            <a:r>
+              <a:rPr lang="ko-KR" altLang="en-US" sz="1900" dirty="0">
+                <a:latin typeface="경기천년제목 Medium" panose="02020603020101020101" pitchFamily="18" charset="-127"/>
+                <a:ea typeface="경기천년제목 Medium" panose="02020603020101020101" pitchFamily="18" charset="-127"/>
+              </a:rPr>
+              <a:t>번</a:t>
+            </a:r>
+            <a:r>
+              <a:rPr lang="en-US" altLang="ko-KR" sz="1900" dirty="0">
+                <a:latin typeface="경기천년제목 Medium" panose="02020603020101020101" pitchFamily="18" charset="-127"/>
+                <a:ea typeface="경기천년제목 Medium" panose="02020603020101020101" pitchFamily="18" charset="-127"/>
+              </a:rPr>
+              <a:t>)</a:t>
+            </a:r>
+            <a:r>
+              <a:rPr lang="ko-KR" altLang="en-US" sz="1900" dirty="0">
+                <a:latin typeface="경기천년제목 Medium" panose="02020603020101020101" pitchFamily="18" charset="-127"/>
+                <a:ea typeface="경기천년제목 Medium" panose="02020603020101020101" pitchFamily="18" charset="-127"/>
+              </a:rPr>
+              <a:t>을 클릭하면 관리자모드에 진입하기 위한 비밀번호 </a:t>
+            </a:r>
+            <a:r>
+              <a:rPr lang="ko-KR" altLang="en-US" sz="1900" dirty="0" err="1" smtClean="0">
+                <a:latin typeface="경기천년제목 Medium" panose="02020603020101020101" pitchFamily="18" charset="-127"/>
+                <a:ea typeface="경기천년제목 Medium" panose="02020603020101020101" pitchFamily="18" charset="-127"/>
+              </a:rPr>
+              <a:t>입력창</a:t>
+            </a:r>
+            <a:endParaRPr lang="en-US" altLang="ko-KR" sz="1900" dirty="0" smtClean="0">
+              <a:latin typeface="경기천년제목 Medium" panose="02020603020101020101" pitchFamily="18" charset="-127"/>
+              <a:ea typeface="경기천년제목 Medium" panose="02020603020101020101" pitchFamily="18" charset="-127"/>
+            </a:endParaRPr>
+          </a:p>
+          <a:p>
+            <a:pPr>
+              <a:lnSpc>
+                <a:spcPct val="150000"/>
+              </a:lnSpc>
+            </a:pPr>
+            <a:r>
+              <a:rPr lang="en-US" altLang="ko-KR" sz="1900" dirty="0" smtClean="0">
+                <a:latin typeface="경기천년제목 Medium" panose="02020603020101020101" pitchFamily="18" charset="-127"/>
+                <a:ea typeface="경기천년제목 Medium" panose="02020603020101020101" pitchFamily="18" charset="-127"/>
+              </a:rPr>
+              <a:t>(</a:t>
+            </a:r>
+            <a:r>
+              <a:rPr lang="en-US" altLang="ko-KR" sz="1900" dirty="0">
+                <a:latin typeface="경기천년제목 Medium" panose="02020603020101020101" pitchFamily="18" charset="-127"/>
+                <a:ea typeface="경기천년제목 Medium" panose="02020603020101020101" pitchFamily="18" charset="-127"/>
+              </a:rPr>
+              <a:t>2</a:t>
+            </a:r>
+            <a:r>
+              <a:rPr lang="ko-KR" altLang="en-US" sz="1900" dirty="0">
+                <a:latin typeface="경기천년제목 Medium" panose="02020603020101020101" pitchFamily="18" charset="-127"/>
+                <a:ea typeface="경기천년제목 Medium" panose="02020603020101020101" pitchFamily="18" charset="-127"/>
+              </a:rPr>
+              <a:t>번</a:t>
+            </a:r>
+            <a:r>
+              <a:rPr lang="en-US" altLang="ko-KR" sz="1900" dirty="0">
+                <a:latin typeface="경기천년제목 Medium" panose="02020603020101020101" pitchFamily="18" charset="-127"/>
+                <a:ea typeface="경기천년제목 Medium" panose="02020603020101020101" pitchFamily="18" charset="-127"/>
+              </a:rPr>
+              <a:t>)</a:t>
+            </a:r>
+            <a:r>
+              <a:rPr lang="ko-KR" altLang="en-US" sz="1900" dirty="0">
+                <a:latin typeface="경기천년제목 Medium" panose="02020603020101020101" pitchFamily="18" charset="-127"/>
+                <a:ea typeface="경기천년제목 Medium" panose="02020603020101020101" pitchFamily="18" charset="-127"/>
+              </a:rPr>
+              <a:t>이 뜹니다</a:t>
+            </a:r>
+            <a:r>
+              <a:rPr lang="en-US" altLang="ko-KR" sz="1900" dirty="0">
+                <a:latin typeface="경기천년제목 Medium" panose="02020603020101020101" pitchFamily="18" charset="-127"/>
+                <a:ea typeface="경기천년제목 Medium" panose="02020603020101020101" pitchFamily="18" charset="-127"/>
+              </a:rPr>
+              <a:t>. </a:t>
+            </a:r>
+            <a:endParaRPr lang="en-US" altLang="ko-KR" sz="1900" dirty="0" smtClean="0">
+              <a:latin typeface="경기천년제목 Medium" panose="02020603020101020101" pitchFamily="18" charset="-127"/>
+              <a:ea typeface="경기천년제목 Medium" panose="02020603020101020101" pitchFamily="18" charset="-127"/>
+            </a:endParaRPr>
+          </a:p>
+          <a:p>
+            <a:pPr>
+              <a:lnSpc>
+                <a:spcPct val="150000"/>
+              </a:lnSpc>
+            </a:pPr>
+            <a:r>
+              <a:rPr lang="ko-KR" altLang="en-US" sz="1900" dirty="0" smtClean="0">
+                <a:latin typeface="경기천년제목 Medium" panose="02020603020101020101" pitchFamily="18" charset="-127"/>
+                <a:ea typeface="경기천년제목 Medium" panose="02020603020101020101" pitchFamily="18" charset="-127"/>
+              </a:rPr>
+              <a:t>맞게 </a:t>
+            </a:r>
+            <a:r>
+              <a:rPr lang="ko-KR" altLang="en-US" sz="1900" dirty="0">
+                <a:latin typeface="경기천년제목 Medium" panose="02020603020101020101" pitchFamily="18" charset="-127"/>
+                <a:ea typeface="경기천년제목 Medium" panose="02020603020101020101" pitchFamily="18" charset="-127"/>
+              </a:rPr>
+              <a:t>입력하면 관리자</a:t>
+            </a:r>
+            <a:r>
+              <a:rPr lang="en-US" altLang="ko-KR" sz="1900" dirty="0">
+                <a:latin typeface="경기천년제목 Medium" panose="02020603020101020101" pitchFamily="18" charset="-127"/>
+                <a:ea typeface="경기천년제목 Medium" panose="02020603020101020101" pitchFamily="18" charset="-127"/>
+              </a:rPr>
+              <a:t>_</a:t>
+            </a:r>
+            <a:r>
+              <a:rPr lang="ko-KR" altLang="en-US" sz="1900" dirty="0" smtClean="0">
+                <a:latin typeface="경기천년제목 Medium" panose="02020603020101020101" pitchFamily="18" charset="-127"/>
+                <a:ea typeface="경기천년제목 Medium" panose="02020603020101020101" pitchFamily="18" charset="-127"/>
+              </a:rPr>
+              <a:t>회원정보</a:t>
+            </a:r>
+            <a:r>
+              <a:rPr lang="en-US" altLang="ko-KR" sz="1900" dirty="0">
+                <a:latin typeface="경기천년제목 Medium" panose="02020603020101020101" pitchFamily="18" charset="-127"/>
+                <a:ea typeface="경기천년제목 Medium" panose="02020603020101020101" pitchFamily="18" charset="-127"/>
+              </a:rPr>
+              <a:t> </a:t>
+            </a:r>
+            <a:r>
+              <a:rPr lang="ko-KR" altLang="en-US" sz="1900" dirty="0" err="1" smtClean="0">
+                <a:latin typeface="경기천년제목 Medium" panose="02020603020101020101" pitchFamily="18" charset="-127"/>
+                <a:ea typeface="경기천년제목 Medium" panose="02020603020101020101" pitchFamily="18" charset="-127"/>
+              </a:rPr>
+              <a:t>조회창으로</a:t>
+            </a:r>
+            <a:r>
+              <a:rPr lang="ko-KR" altLang="en-US" sz="1900" dirty="0" smtClean="0">
+                <a:latin typeface="경기천년제목 Medium" panose="02020603020101020101" pitchFamily="18" charset="-127"/>
+                <a:ea typeface="경기천년제목 Medium" panose="02020603020101020101" pitchFamily="18" charset="-127"/>
+              </a:rPr>
+              <a:t> </a:t>
+            </a:r>
+            <a:r>
+              <a:rPr lang="ko-KR" altLang="en-US" sz="1900" dirty="0">
+                <a:latin typeface="경기천년제목 Medium" panose="02020603020101020101" pitchFamily="18" charset="-127"/>
+                <a:ea typeface="경기천년제목 Medium" panose="02020603020101020101" pitchFamily="18" charset="-127"/>
+              </a:rPr>
+              <a:t>진입할 </a:t>
+            </a:r>
+            <a:r>
+              <a:rPr lang="ko-KR" altLang="en-US" sz="1900" dirty="0" smtClean="0">
+                <a:latin typeface="경기천년제목 Medium" panose="02020603020101020101" pitchFamily="18" charset="-127"/>
+                <a:ea typeface="경기천년제목 Medium" panose="02020603020101020101" pitchFamily="18" charset="-127"/>
+              </a:rPr>
+              <a:t>수</a:t>
+            </a:r>
+            <a:endParaRPr lang="en-US" altLang="ko-KR" sz="1900" dirty="0" smtClean="0">
+              <a:latin typeface="경기천년제목 Medium" panose="02020603020101020101" pitchFamily="18" charset="-127"/>
+              <a:ea typeface="경기천년제목 Medium" panose="02020603020101020101" pitchFamily="18" charset="-127"/>
+            </a:endParaRPr>
+          </a:p>
+          <a:p>
+            <a:pPr>
+              <a:lnSpc>
+                <a:spcPct val="150000"/>
+              </a:lnSpc>
+            </a:pPr>
+            <a:r>
+              <a:rPr lang="ko-KR" altLang="en-US" sz="1900" dirty="0" smtClean="0">
+                <a:latin typeface="경기천년제목 Medium" panose="02020603020101020101" pitchFamily="18" charset="-127"/>
+                <a:ea typeface="경기천년제목 Medium" panose="02020603020101020101" pitchFamily="18" charset="-127"/>
+              </a:rPr>
+              <a:t>있고 </a:t>
+            </a:r>
+            <a:r>
+              <a:rPr lang="ko-KR" altLang="en-US" sz="1900" dirty="0">
+                <a:latin typeface="경기천년제목 Medium" panose="02020603020101020101" pitchFamily="18" charset="-127"/>
+                <a:ea typeface="경기천년제목 Medium" panose="02020603020101020101" pitchFamily="18" charset="-127"/>
+              </a:rPr>
+              <a:t>그렇지 않을 경우 </a:t>
+            </a:r>
+            <a:endParaRPr lang="en-US" altLang="ko-KR" sz="1900" dirty="0" smtClean="0">
+              <a:latin typeface="경기천년제목 Medium" panose="02020603020101020101" pitchFamily="18" charset="-127"/>
+              <a:ea typeface="경기천년제목 Medium" panose="02020603020101020101" pitchFamily="18" charset="-127"/>
+            </a:endParaRPr>
+          </a:p>
+          <a:p>
+            <a:pPr>
+              <a:lnSpc>
+                <a:spcPct val="150000"/>
+              </a:lnSpc>
+            </a:pPr>
+            <a:r>
+              <a:rPr lang="ko-KR" altLang="en-US" sz="1900" dirty="0" smtClean="0">
+                <a:latin typeface="경기천년제목 Medium" panose="02020603020101020101" pitchFamily="18" charset="-127"/>
+                <a:ea typeface="경기천년제목 Medium" panose="02020603020101020101" pitchFamily="18" charset="-127"/>
+              </a:rPr>
+              <a:t>틀렸다는 </a:t>
+            </a:r>
+            <a:r>
               <a:rPr lang="ko-KR" altLang="en-US" sz="1900" dirty="0" err="1">
                 <a:latin typeface="경기천년제목 Medium" panose="02020603020101020101" pitchFamily="18" charset="-127"/>
                 <a:ea typeface="경기천년제목 Medium" panose="02020603020101020101" pitchFamily="18" charset="-127"/>
               </a:rPr>
-              <a:t>조회창에서</a:t>
+              <a:t>메시지박스</a:t>
+            </a:r>
+            <a:r>
+              <a:rPr lang="en-US" altLang="ko-KR" sz="1900" dirty="0">
+                <a:latin typeface="경기천년제목 Medium" panose="02020603020101020101" pitchFamily="18" charset="-127"/>
+                <a:ea typeface="경기천년제목 Medium" panose="02020603020101020101" pitchFamily="18" charset="-127"/>
+              </a:rPr>
+              <a:t>(3</a:t>
             </a:r>
             <a:r>
               <a:rPr lang="ko-KR" altLang="en-US" sz="1900" dirty="0">
                 <a:latin typeface="경기천년제목 Medium" panose="02020603020101020101" pitchFamily="18" charset="-127"/>
                 <a:ea typeface="경기천년제목 Medium" panose="02020603020101020101" pitchFamily="18" charset="-127"/>
               </a:rPr>
-              <a:t> 오른쪽 하단의 버튼</a:t>
+              <a:t>번</a:t>
             </a:r>
             <a:r>
               <a:rPr lang="en-US" altLang="ko-KR" sz="1900" dirty="0">
                 <a:latin typeface="경기천년제목 Medium" panose="02020603020101020101" pitchFamily="18" charset="-127"/>
                 <a:ea typeface="경기천년제목 Medium" panose="02020603020101020101" pitchFamily="18" charset="-127"/>
               </a:rPr>
-              <a:t>(1</a:t>
+              <a:t>)</a:t>
             </a:r>
             <a:r>
               <a:rPr lang="ko-KR" altLang="en-US" sz="1900" dirty="0">
                 <a:latin typeface="경기천년제목 Medium" panose="02020603020101020101" pitchFamily="18" charset="-127"/>
                 <a:ea typeface="경기천년제목 Medium" panose="02020603020101020101" pitchFamily="18" charset="-127"/>
               </a:rPr>
-              <a:t>번</a:t>
-            </a:r>
-            <a:r>
-              <a:rPr lang="en-US" altLang="ko-KR" sz="1900" dirty="0">
-                <a:latin typeface="경기천년제목 Medium" panose="02020603020101020101" pitchFamily="18" charset="-127"/>
-                <a:ea typeface="경기천년제목 Medium" panose="02020603020101020101" pitchFamily="18" charset="-127"/>
-              </a:rPr>
-              <a:t>)</a:t>
-            </a:r>
-            <a:r>
-              <a:rPr lang="ko-KR" altLang="en-US" sz="1900" dirty="0">
-                <a:latin typeface="경기천년제목 Medium" panose="02020603020101020101" pitchFamily="18" charset="-127"/>
-                <a:ea typeface="경기천년제목 Medium" panose="02020603020101020101" pitchFamily="18" charset="-127"/>
-              </a:rPr>
-              <a:t>을 클릭하면 관리자모드에 진입하기 위한 비밀번호 </a:t>
-            </a:r>
-            <a:r>
-              <a:rPr lang="ko-KR" altLang="en-US" sz="1900" dirty="0" err="1">
-                <a:latin typeface="경기천년제목 Medium" panose="02020603020101020101" pitchFamily="18" charset="-127"/>
-                <a:ea typeface="경기천년제목 Medium" panose="02020603020101020101" pitchFamily="18" charset="-127"/>
-              </a:rPr>
-              <a:t>입력창</a:t>
-            </a:r>
-            <a:r>
-              <a:rPr lang="en-US" altLang="ko-KR" sz="1900" dirty="0">
-                <a:latin typeface="경기천년제목 Medium" panose="02020603020101020101" pitchFamily="18" charset="-127"/>
-                <a:ea typeface="경기천년제목 Medium" panose="02020603020101020101" pitchFamily="18" charset="-127"/>
-              </a:rPr>
-              <a:t>(2</a:t>
-            </a:r>
-            <a:r>
-              <a:rPr lang="ko-KR" altLang="en-US" sz="1900" dirty="0">
-                <a:latin typeface="경기천년제목 Medium" panose="02020603020101020101" pitchFamily="18" charset="-127"/>
-                <a:ea typeface="경기천년제목 Medium" panose="02020603020101020101" pitchFamily="18" charset="-127"/>
-              </a:rPr>
-              <a:t>번</a:t>
-            </a:r>
-            <a:r>
-              <a:rPr lang="en-US" altLang="ko-KR" sz="1900" dirty="0">
-                <a:latin typeface="경기천년제목 Medium" panose="02020603020101020101" pitchFamily="18" charset="-127"/>
-                <a:ea typeface="경기천년제목 Medium" panose="02020603020101020101" pitchFamily="18" charset="-127"/>
-              </a:rPr>
-              <a:t>)</a:t>
-            </a:r>
-            <a:r>
-              <a:rPr lang="ko-KR" altLang="en-US" sz="1900" dirty="0">
-                <a:latin typeface="경기천년제목 Medium" panose="02020603020101020101" pitchFamily="18" charset="-127"/>
-                <a:ea typeface="경기천년제목 Medium" panose="02020603020101020101" pitchFamily="18" charset="-127"/>
-              </a:rPr>
-              <a:t>이 뜹니다</a:t>
-            </a:r>
-            <a:r>
-              <a:rPr lang="en-US" altLang="ko-KR" sz="1900" dirty="0">
-                <a:latin typeface="경기천년제목 Medium" panose="02020603020101020101" pitchFamily="18" charset="-127"/>
-                <a:ea typeface="경기천년제목 Medium" panose="02020603020101020101" pitchFamily="18" charset="-127"/>
-              </a:rPr>
-              <a:t>. </a:t>
-            </a:r>
-            <a:r>
-              <a:rPr lang="ko-KR" altLang="en-US" sz="1900" dirty="0">
-                <a:latin typeface="경기천년제목 Medium" panose="02020603020101020101" pitchFamily="18" charset="-127"/>
-                <a:ea typeface="경기천년제목 Medium" panose="02020603020101020101" pitchFamily="18" charset="-127"/>
-              </a:rPr>
-              <a:t>맞게 입력하면 관리자</a:t>
-            </a:r>
-            <a:r>
-              <a:rPr lang="en-US" altLang="ko-KR" sz="1900" dirty="0">
-                <a:latin typeface="경기천년제목 Medium" panose="02020603020101020101" pitchFamily="18" charset="-127"/>
-                <a:ea typeface="경기천년제목 Medium" panose="02020603020101020101" pitchFamily="18" charset="-127"/>
-              </a:rPr>
-              <a:t>_</a:t>
-            </a:r>
-            <a:r>
-              <a:rPr lang="ko-KR" altLang="en-US" sz="1900" dirty="0">
-                <a:latin typeface="경기천년제목 Medium" panose="02020603020101020101" pitchFamily="18" charset="-127"/>
-                <a:ea typeface="경기천년제목 Medium" panose="02020603020101020101" pitchFamily="18" charset="-127"/>
-              </a:rPr>
-              <a:t>회원정보 </a:t>
-            </a:r>
-            <a:r>
-              <a:rPr lang="ko-KR" altLang="en-US" sz="1900" dirty="0" err="1">
-                <a:latin typeface="경기천년제목 Medium" panose="02020603020101020101" pitchFamily="18" charset="-127"/>
-                <a:ea typeface="경기천년제목 Medium" panose="02020603020101020101" pitchFamily="18" charset="-127"/>
-              </a:rPr>
-              <a:t>조회창으로</a:t>
-            </a:r>
-            <a:r>
-              <a:rPr lang="ko-KR" altLang="en-US" sz="1900" dirty="0">
-                <a:latin typeface="경기천년제목 Medium" panose="02020603020101020101" pitchFamily="18" charset="-127"/>
-                <a:ea typeface="경기천년제목 Medium" panose="02020603020101020101" pitchFamily="18" charset="-127"/>
-              </a:rPr>
-              <a:t> 진입할 수 있고 그렇지 않을 경우 틀렸다는 </a:t>
-            </a:r>
-            <a:r>
-              <a:rPr lang="ko-KR" altLang="en-US" sz="1900" dirty="0" err="1">
-                <a:latin typeface="경기천년제목 Medium" panose="02020603020101020101" pitchFamily="18" charset="-127"/>
-                <a:ea typeface="경기천년제목 Medium" panose="02020603020101020101" pitchFamily="18" charset="-127"/>
-              </a:rPr>
-              <a:t>메시지박스</a:t>
-            </a:r>
-            <a:r>
-              <a:rPr lang="en-US" altLang="ko-KR" sz="1900" dirty="0">
-                <a:latin typeface="경기천년제목 Medium" panose="02020603020101020101" pitchFamily="18" charset="-127"/>
-                <a:ea typeface="경기천년제목 Medium" panose="02020603020101020101" pitchFamily="18" charset="-127"/>
-              </a:rPr>
-              <a:t>(3</a:t>
-            </a:r>
-            <a:r>
-              <a:rPr lang="ko-KR" altLang="en-US" sz="1900" dirty="0">
-                <a:latin typeface="경기천년제목 Medium" panose="02020603020101020101" pitchFamily="18" charset="-127"/>
-                <a:ea typeface="경기천년제목 Medium" panose="02020603020101020101" pitchFamily="18" charset="-127"/>
-              </a:rPr>
-              <a:t>번</a:t>
-            </a:r>
-            <a:r>
-              <a:rPr lang="en-US" altLang="ko-KR" sz="1900" dirty="0">
-                <a:latin typeface="경기천년제목 Medium" panose="02020603020101020101" pitchFamily="18" charset="-127"/>
-                <a:ea typeface="경기천년제목 Medium" panose="02020603020101020101" pitchFamily="18" charset="-127"/>
-              </a:rPr>
-              <a:t>)</a:t>
-            </a:r>
-            <a:r>
-              <a:rPr lang="ko-KR" altLang="en-US" sz="1900" dirty="0">
-                <a:latin typeface="경기천년제목 Medium" panose="02020603020101020101" pitchFamily="18" charset="-127"/>
-                <a:ea typeface="경기천년제목 Medium" panose="02020603020101020101" pitchFamily="18" charset="-127"/>
-              </a:rPr>
-              <a:t>가 뜨게 되고 </a:t>
+              <a:t>가 뜨게 </a:t>
+            </a:r>
+            <a:r>
+              <a:rPr lang="ko-KR" altLang="en-US" sz="1900" dirty="0" smtClean="0">
+                <a:latin typeface="경기천년제목 Medium" panose="02020603020101020101" pitchFamily="18" charset="-127"/>
+                <a:ea typeface="경기천년제목 Medium" panose="02020603020101020101" pitchFamily="18" charset="-127"/>
+              </a:rPr>
+              <a:t>되고 </a:t>
             </a:r>
             <a:r>
               <a:rPr lang="en-US" altLang="ko-KR" sz="1900" dirty="0">
@@ -10596,7 +11046,7 @@
         </p:nvSpPr>
         <p:spPr>
           <a:xfrm>
-            <a:off x="9900068" y="5092141"/>
+            <a:off x="9947706" y="4821595"/>
             <a:ext cx="1529931" cy="399460"/>
           </a:xfrm>
           <a:prstGeom prst="rect">
@@ -10649,7 +11099,7 @@
         </p:nvSpPr>
         <p:spPr>
           <a:xfrm>
-            <a:off x="10360745" y="4233303"/>
+            <a:off x="10406643" y="3948198"/>
             <a:ext cx="562180" cy="399460"/>
           </a:xfrm>
           <a:prstGeom prst="rect">
@@ -10702,7 +11152,7 @@
         </p:nvSpPr>
         <p:spPr>
           <a:xfrm>
-            <a:off x="9477759" y="2058504"/>
+            <a:off x="9506926" y="1794253"/>
             <a:ext cx="1344973" cy="399460"/>
           </a:xfrm>
           <a:prstGeom prst="rect">
@@ -10755,7 +11205,7 @@
         </p:nvSpPr>
         <p:spPr>
           <a:xfrm>
-            <a:off x="9452499" y="1153439"/>
+            <a:off x="9510480" y="906584"/>
             <a:ext cx="1344973" cy="399460"/>
           </a:xfrm>
           <a:prstGeom prst="rect">
@@ -11671,7 +12121,7 @@
         </p:nvSpPr>
         <p:spPr>
           <a:xfrm>
-            <a:off x="9364749" y="1083239"/>
+            <a:off x="9418883" y="821421"/>
             <a:ext cx="2757179" cy="4916731"/>
           </a:xfrm>
           <a:prstGeom prst="rect">
@@ -11772,7 +12222,14 @@
                 <a:latin typeface="경기천년제목 Medium" panose="02020603020101020101" pitchFamily="18" charset="-127"/>
                 <a:ea typeface="경기천년제목 Medium" panose="02020603020101020101" pitchFamily="18" charset="-127"/>
               </a:rPr>
-              <a:t>에서 변경할 내용을 입력하고 수정버튼을 클릭하면 정보가 수정됩니다</a:t>
+              <a:t>에서 변경할 내용을 입력하고 수정버튼을 클릭하면 정보가 </a:t>
+            </a:r>
+            <a:r>
+              <a:rPr lang="ko-KR" altLang="en-US" sz="1900" dirty="0" smtClean="0">
+                <a:latin typeface="경기천년제목 Medium" panose="02020603020101020101" pitchFamily="18" charset="-127"/>
+                <a:ea typeface="경기천년제목 Medium" panose="02020603020101020101" pitchFamily="18" charset="-127"/>
+              </a:rPr>
+              <a:t>수정 됩니다</a:t>
             </a:r>
             <a:r>
               <a:rPr lang="en-US" altLang="ko-KR" sz="1900" dirty="0">
@@ -12204,8 +12661,8 @@
         </p:nvSpPr>
         <p:spPr>
           <a:xfrm>
-            <a:off x="9364749" y="4922601"/>
-            <a:ext cx="381111" cy="399460"/>
+            <a:off x="9405189" y="4914288"/>
+            <a:ext cx="543489" cy="399460"/>
           </a:xfrm>
           <a:prstGeom prst="rect">
             <a:avLst/>
@@ -12257,8 +12714,8 @@
         </p:nvSpPr>
         <p:spPr>
           <a:xfrm>
-            <a:off x="11475223" y="4477472"/>
-            <a:ext cx="679957" cy="399460"/>
+            <a:off x="11624730" y="4458730"/>
+            <a:ext cx="558189" cy="399460"/>
           </a:xfrm>
           <a:prstGeom prst="rect">
             <a:avLst/>
@@ -13040,7 +13497,7 @@
         </p:nvSpPr>
         <p:spPr>
           <a:xfrm>
-            <a:off x="9331497" y="1369566"/>
+            <a:off x="9310824" y="1321847"/>
             <a:ext cx="2998173" cy="4039567"/>
           </a:xfrm>
           <a:prstGeom prst="rect">
@@ -13172,18 +13629,36 @@
               <a:t> </a:t>
             </a:r>
             <a:r>
-              <a:rPr lang="ko-KR" altLang="en-US" sz="1900" dirty="0" err="1">
-                <a:latin typeface="경기천년제목 Medium" panose="02020603020101020101" pitchFamily="18" charset="-127"/>
-                <a:ea typeface="경기천년제목 Medium" panose="02020603020101020101" pitchFamily="18" charset="-127"/>
-              </a:rPr>
-              <a:t>사용중이라는</a:t>
+              <a:rPr lang="ko-KR" altLang="en-US" sz="1900" dirty="0" smtClean="0">
+                <a:latin typeface="경기천년제목 Medium" panose="02020603020101020101" pitchFamily="18" charset="-127"/>
+                <a:ea typeface="경기천년제목 Medium" panose="02020603020101020101" pitchFamily="18" charset="-127"/>
+              </a:rPr>
+              <a:t>사용 중 </a:t>
+            </a:r>
+            <a:endParaRPr lang="en-US" altLang="ko-KR" sz="1900" dirty="0" smtClean="0">
+              <a:latin typeface="경기천년제목 Medium" panose="02020603020101020101" pitchFamily="18" charset="-127"/>
+              <a:ea typeface="경기천년제목 Medium" panose="02020603020101020101" pitchFamily="18" charset="-127"/>
+            </a:endParaRPr>
+          </a:p>
+          <a:p>
+            <a:pPr>
+              <a:lnSpc>
+                <a:spcPct val="150000"/>
+              </a:lnSpc>
+            </a:pPr>
+            <a:r>
+              <a:rPr lang="ko-KR" altLang="en-US" sz="1900" dirty="0" smtClean="0">
+                <a:latin typeface="경기천년제목 Medium" panose="02020603020101020101" pitchFamily="18" charset="-127"/>
+                <a:ea typeface="경기천년제목 Medium" panose="02020603020101020101" pitchFamily="18" charset="-127"/>
+              </a:rPr>
+              <a:t>이라는 </a:t>
             </a:r>
             <a:r>
               <a:rPr lang="ko-KR" altLang="en-US" sz="1900" dirty="0">
                 <a:latin typeface="경기천년제목 Medium" panose="02020603020101020101" pitchFamily="18" charset="-127"/>
                 <a:ea typeface="경기천년제목 Medium" panose="02020603020101020101" pitchFamily="18" charset="-127"/>
               </a:rPr>
-              <a:t> 것을 알리는 붉은색으로 변하고 위와 똑같이 정보를 입력 후 </a:t>
+              <a:t>것을 알리는 붉은색으로 변하고 위와 똑같이 정보를 입력 후 </a:t>
             </a:r>
             <a:r>
               <a:rPr lang="ko-KR" altLang="en-US" sz="1900" dirty="0" err="1">
@@ -13824,8 +14299,8 @@
         </p:nvSpPr>
         <p:spPr>
           <a:xfrm>
-            <a:off x="8654535" y="1032739"/>
-            <a:ext cx="3340822" cy="5534977"/>
+            <a:off x="8654534" y="1032739"/>
+            <a:ext cx="3537466" cy="5124480"/>
           </a:xfrm>
           <a:prstGeom prst="rect">
             <a:avLst/>
@@ -13939,15 +14414,19 @@
                 <a:latin typeface="경기천년제목 Medium" panose="02020603020101020101" pitchFamily="18" charset="-127"/>
                 <a:ea typeface="경기천년제목 Medium" panose="02020603020101020101" pitchFamily="18" charset="-127"/>
               </a:rPr>
-              <a:t>과 프로그램을 연동합니다</a:t>
-            </a:r>
-            <a:r>
-              <a:rPr lang="en-US" altLang="ko-KR" sz="2000" dirty="0">
-                <a:latin typeface="경기천년제목 Medium" panose="02020603020101020101" pitchFamily="18" charset="-127"/>
-                <a:ea typeface="경기천년제목 Medium" panose="02020603020101020101" pitchFamily="18" charset="-127"/>
-              </a:rPr>
-              <a:t>.</a:t>
-            </a:r>
+              <a:t>과 프로그램을 </a:t>
+            </a:r>
+            <a:r>
+              <a:rPr lang="ko-KR" altLang="en-US" sz="2000" dirty="0" smtClean="0">
+                <a:latin typeface="경기천년제목 Medium" panose="02020603020101020101" pitchFamily="18" charset="-127"/>
+                <a:ea typeface="경기천년제목 Medium" panose="02020603020101020101" pitchFamily="18" charset="-127"/>
+              </a:rPr>
+              <a:t>연동</a:t>
+            </a:r>
+            <a:endParaRPr lang="en-US" altLang="ko-KR" sz="2000" dirty="0" smtClean="0">
+              <a:latin typeface="경기천년제목 Medium" panose="02020603020101020101" pitchFamily="18" charset="-127"/>
+              <a:ea typeface="경기천년제목 Medium" panose="02020603020101020101" pitchFamily="18" charset="-127"/>
+            </a:endParaRPr>
           </a:p>
           <a:p>
             <a:pPr>
@@ -13956,10 +14435,31 @@
               </a:lnSpc>
             </a:pPr>
             <a:r>
+              <a:rPr lang="ko-KR" altLang="en-US" sz="2000" dirty="0" smtClean="0">
+                <a:latin typeface="경기천년제목 Medium" panose="02020603020101020101" pitchFamily="18" charset="-127"/>
+                <a:ea typeface="경기천년제목 Medium" panose="02020603020101020101" pitchFamily="18" charset="-127"/>
+              </a:rPr>
+              <a:t>합니다</a:t>
+            </a:r>
+            <a:r>
               <a:rPr lang="en-US" altLang="ko-KR" sz="2000" dirty="0">
                 <a:latin typeface="경기천년제목 Medium" panose="02020603020101020101" pitchFamily="18" charset="-127"/>
                 <a:ea typeface="경기천년제목 Medium" panose="02020603020101020101" pitchFamily="18" charset="-127"/>
               </a:rPr>
+              <a:t>.</a:t>
+            </a:r>
+          </a:p>
+          <a:p>
+            <a:pPr>
+              <a:lnSpc>
+                <a:spcPct val="150000"/>
+              </a:lnSpc>
+            </a:pPr>
+            <a:r>
+              <a:rPr lang="en-US" altLang="ko-KR" sz="2000" dirty="0">
+                <a:latin typeface="경기천년제목 Medium" panose="02020603020101020101" pitchFamily="18" charset="-127"/>
+                <a:ea typeface="경기천년제목 Medium" panose="02020603020101020101" pitchFamily="18" charset="-127"/>
+              </a:rPr>
               <a:t>GYM_DB</a:t>
             </a:r>
             <a:r>
@@ -13981,7 +14481,21 @@
                 <a:latin typeface="경기천년제목 Medium" panose="02020603020101020101" pitchFamily="18" charset="-127"/>
                 <a:ea typeface="경기천년제목 Medium" panose="02020603020101020101" pitchFamily="18" charset="-127"/>
               </a:rPr>
-              <a:t>쿼리문을 이용해 테이블을 불러오는 </a:t>
+              <a:t>쿼리문을 이용해 </a:t>
+            </a:r>
+            <a:r>
+              <a:rPr lang="ko-KR" altLang="en-US" sz="2000" dirty="0" smtClean="0">
+                <a:latin typeface="경기천년제목 Medium" panose="02020603020101020101" pitchFamily="18" charset="-127"/>
+                <a:ea typeface="경기천년제목 Medium" panose="02020603020101020101" pitchFamily="18" charset="-127"/>
+              </a:rPr>
+              <a:t>테이블을 </a:t>
+            </a:r>
+            <a:r>
+              <a:rPr lang="ko-KR" altLang="en-US" sz="2000" dirty="0">
+                <a:latin typeface="경기천년제목 Medium" panose="02020603020101020101" pitchFamily="18" charset="-127"/>
+                <a:ea typeface="경기천년제목 Medium" panose="02020603020101020101" pitchFamily="18" charset="-127"/>
+              </a:rPr>
+              <a:t>불러오는 </a:t>
             </a:r>
             <a:r>
               <a:rPr lang="en-US" altLang="ko-KR" sz="2000" dirty="0">
@@ -14425,8 +14939,8 @@
         </p:nvSpPr>
         <p:spPr>
           <a:xfrm>
-            <a:off x="8697470" y="703515"/>
-            <a:ext cx="3494530" cy="5996642"/>
+            <a:off x="8697469" y="703515"/>
+            <a:ext cx="3494531" cy="5996642"/>
           </a:xfrm>
           <a:prstGeom prst="rect">
             <a:avLst/>
@@ -14449,37 +14963,30 @@
                 <a:latin typeface="경기천년제목 Medium" panose="02020603020101020101" pitchFamily="18" charset="-127"/>
                 <a:ea typeface="경기천년제목 Medium" panose="02020603020101020101" pitchFamily="18" charset="-127"/>
               </a:rPr>
-              <a:t>회원정보입력 창에서 정보를 입력 후 등록버튼을 클릭하면 텍스트박스의 내용들을 가지고 </a:t>
-            </a:r>
-            <a:r>
-              <a:rPr lang="en-US" altLang="ko-KR" sz="2000" dirty="0">
-                <a:latin typeface="경기천년제목 Medium" panose="02020603020101020101" pitchFamily="18" charset="-127"/>
-                <a:ea typeface="경기천년제목 Medium" panose="02020603020101020101" pitchFamily="18" charset="-127"/>
-              </a:rPr>
-              <a:t>INSERT</a:t>
+              <a:t>회원정보입력 창에서 정보를 입력 후 등록버튼을 클릭하면 </a:t>
+            </a:r>
+            <a:r>
+              <a:rPr lang="ko-KR" altLang="en-US" sz="2000" dirty="0" smtClean="0">
+                <a:latin typeface="경기천년제목 Medium" panose="02020603020101020101" pitchFamily="18" charset="-127"/>
+                <a:ea typeface="경기천년제목 Medium" panose="02020603020101020101" pitchFamily="18" charset="-127"/>
+              </a:rPr>
+              <a:t>텍스트 박스의 </a:t>
             </a:r>
             <a:r>
               <a:rPr lang="ko-KR" altLang="en-US" sz="2000" dirty="0">
                 <a:latin typeface="경기천년제목 Medium" panose="02020603020101020101" pitchFamily="18" charset="-127"/>
                 <a:ea typeface="경기천년제목 Medium" panose="02020603020101020101" pitchFamily="18" charset="-127"/>
               </a:rPr>
-              <a:t>쿼리문을 실행합니다</a:t>
-            </a:r>
-            <a:r>
-              <a:rPr lang="en-US" altLang="ko-KR" sz="2000" dirty="0">
-                <a:latin typeface="경기천년제목 Medium" panose="02020603020101020101" pitchFamily="18" charset="-127"/>
-                <a:ea typeface="경기천년제목 Medium" panose="02020603020101020101" pitchFamily="18" charset="-127"/>
-              </a:rPr>
-              <a:t>.</a:t>
-            </a:r>
-            <a:r>
-              <a:rPr lang="ko-KR" altLang="en-US" sz="2000" dirty="0">
-                <a:latin typeface="경기천년제목 Medium" panose="02020603020101020101" pitchFamily="18" charset="-127"/>
-                <a:ea typeface="경기천년제목 Medium" panose="02020603020101020101" pitchFamily="18" charset="-127"/>
-              </a:rPr>
-              <a:t> </a:t>
-            </a:r>
-            <a:endParaRPr lang="en-US" altLang="ko-KR" sz="2000" dirty="0">
+              <a:t>내용들을 </a:t>
+            </a:r>
+            <a:r>
+              <a:rPr lang="ko-KR" altLang="en-US" sz="2000" dirty="0" smtClean="0">
+                <a:latin typeface="경기천년제목 Medium" panose="02020603020101020101" pitchFamily="18" charset="-127"/>
+                <a:ea typeface="경기천년제목 Medium" panose="02020603020101020101" pitchFamily="18" charset="-127"/>
+              </a:rPr>
+              <a:t>가지고</a:t>
+            </a:r>
+            <a:endParaRPr lang="en-US" altLang="ko-KR" sz="2000" dirty="0" smtClean="0">
               <a:latin typeface="경기천년제목 Medium" panose="02020603020101020101" pitchFamily="18" charset="-127"/>
               <a:ea typeface="경기천년제목 Medium" panose="02020603020101020101" pitchFamily="18" charset="-127"/>
             </a:endParaRPr>
@@ -14491,17 +14998,74 @@
               </a:lnSpc>
             </a:pPr>
             <a:r>
+              <a:rPr lang="en-US" altLang="ko-KR" sz="2000" dirty="0" smtClean="0">
+                <a:latin typeface="경기천년제목 Medium" panose="02020603020101020101" pitchFamily="18" charset="-127"/>
+                <a:ea typeface="경기천년제목 Medium" panose="02020603020101020101" pitchFamily="18" charset="-127"/>
+              </a:rPr>
+              <a:t>INSERT</a:t>
+            </a:r>
+            <a:r>
               <a:rPr lang="ko-KR" altLang="en-US" sz="2000" dirty="0">
                 <a:latin typeface="경기천년제목 Medium" panose="02020603020101020101" pitchFamily="18" charset="-127"/>
                 <a:ea typeface="경기천년제목 Medium" panose="02020603020101020101" pitchFamily="18" charset="-127"/>
               </a:rPr>
-              <a:t>텍스트박스가 공란인데 등록버튼을 클릭했을 경우를 대비해 </a:t>
+              <a:t>쿼리문을 실행합니다</a:t>
             </a:r>
             <a:r>
               <a:rPr lang="en-US" altLang="ko-KR" sz="2000" dirty="0">
                 <a:latin typeface="경기천년제목 Medium" panose="02020603020101020101" pitchFamily="18" charset="-127"/>
                 <a:ea typeface="경기천년제목 Medium" panose="02020603020101020101" pitchFamily="18" charset="-127"/>
               </a:rPr>
+              <a:t>.</a:t>
+            </a:r>
+            <a:r>
+              <a:rPr lang="ko-KR" altLang="en-US" sz="2000" dirty="0">
+                <a:latin typeface="경기천년제목 Medium" panose="02020603020101020101" pitchFamily="18" charset="-127"/>
+                <a:ea typeface="경기천년제목 Medium" panose="02020603020101020101" pitchFamily="18" charset="-127"/>
+              </a:rPr>
+              <a:t> </a:t>
+            </a:r>
+            <a:endParaRPr lang="en-US" altLang="ko-KR" sz="2000" dirty="0">
+              <a:latin typeface="경기천년제목 Medium" panose="02020603020101020101" pitchFamily="18" charset="-127"/>
+              <a:ea typeface="경기천년제목 Medium" panose="02020603020101020101" pitchFamily="18" charset="-127"/>
+            </a:endParaRPr>
+          </a:p>
+          <a:p>
+            <a:pPr>
+              <a:lnSpc>
+                <a:spcPct val="150000"/>
+              </a:lnSpc>
+            </a:pPr>
+            <a:r>
+              <a:rPr lang="ko-KR" altLang="en-US" sz="2000" dirty="0">
+                <a:latin typeface="경기천년제목 Medium" panose="02020603020101020101" pitchFamily="18" charset="-127"/>
+                <a:ea typeface="경기천년제목 Medium" panose="02020603020101020101" pitchFamily="18" charset="-127"/>
+              </a:rPr>
+              <a:t>텍스트박스가 공란인데 등록버튼을 클릭했을 경우를 </a:t>
+            </a:r>
+            <a:r>
+              <a:rPr lang="ko-KR" altLang="en-US" sz="2000" dirty="0" smtClean="0">
+                <a:latin typeface="경기천년제목 Medium" panose="02020603020101020101" pitchFamily="18" charset="-127"/>
+                <a:ea typeface="경기천년제목 Medium" panose="02020603020101020101" pitchFamily="18" charset="-127"/>
+              </a:rPr>
+              <a:t>대비해</a:t>
+            </a:r>
+            <a:endParaRPr lang="en-US" altLang="ko-KR" sz="2000" dirty="0" smtClean="0">
+              <a:latin typeface="경기천년제목 Medium" panose="02020603020101020101" pitchFamily="18" charset="-127"/>
+              <a:ea typeface="경기천년제목 Medium" panose="02020603020101020101" pitchFamily="18" charset="-127"/>
+            </a:endParaRPr>
+          </a:p>
+          <a:p>
+            <a:pPr>
+              <a:lnSpc>
+                <a:spcPct val="150000"/>
+              </a:lnSpc>
+            </a:pPr>
+            <a:r>
+              <a:rPr lang="en-US" altLang="ko-KR" sz="2000" dirty="0" smtClean="0">
+                <a:latin typeface="경기천년제목 Medium" panose="02020603020101020101" pitchFamily="18" charset="-127"/>
+                <a:ea typeface="경기천년제목 Medium" panose="02020603020101020101" pitchFamily="18" charset="-127"/>
+              </a:rPr>
               <a:t>try-catch</a:t>
             </a:r>
             <a:r>
@@ -14523,7 +15087,39 @@
                 <a:latin typeface="경기천년제목 Medium" panose="02020603020101020101" pitchFamily="18" charset="-127"/>
                 <a:ea typeface="경기천년제목 Medium" panose="02020603020101020101" pitchFamily="18" charset="-127"/>
               </a:rPr>
-              <a:t>다른 오류가 발생했을 경우를 대비해 어디에서 오류가 발생했는지 알려줍니다</a:t>
+              <a:t>다른 오류가 발생했을 </a:t>
+            </a:r>
+            <a:r>
+              <a:rPr lang="ko-KR" altLang="en-US" sz="2000" dirty="0" smtClean="0">
+                <a:latin typeface="경기천년제목 Medium" panose="02020603020101020101" pitchFamily="18" charset="-127"/>
+                <a:ea typeface="경기천년제목 Medium" panose="02020603020101020101" pitchFamily="18" charset="-127"/>
+              </a:rPr>
+              <a:t>경우를 </a:t>
+            </a:r>
+            <a:endParaRPr lang="en-US" altLang="ko-KR" sz="2000" dirty="0" smtClean="0">
+              <a:latin typeface="경기천년제목 Medium" panose="02020603020101020101" pitchFamily="18" charset="-127"/>
+              <a:ea typeface="경기천년제목 Medium" panose="02020603020101020101" pitchFamily="18" charset="-127"/>
+            </a:endParaRPr>
+          </a:p>
+          <a:p>
+            <a:pPr>
+              <a:lnSpc>
+                <a:spcPct val="150000"/>
+              </a:lnSpc>
+            </a:pPr>
+            <a:r>
+              <a:rPr lang="ko-KR" altLang="en-US" sz="2000" dirty="0" smtClean="0">
+                <a:latin typeface="경기천년제목 Medium" panose="02020603020101020101" pitchFamily="18" charset="-127"/>
+                <a:ea typeface="경기천년제목 Medium" panose="02020603020101020101" pitchFamily="18" charset="-127"/>
+              </a:rPr>
+              <a:t>대비해 </a:t>
+            </a:r>
+            <a:r>
+              <a:rPr lang="ko-KR" altLang="en-US" sz="2000" dirty="0">
+                <a:latin typeface="경기천년제목 Medium" panose="02020603020101020101" pitchFamily="18" charset="-127"/>
+                <a:ea typeface="경기천년제목 Medium" panose="02020603020101020101" pitchFamily="18" charset="-127"/>
+              </a:rPr>
+              <a:t>어디에서 오류가 발생했는지 알려줍니다</a:t>
             </a:r>
             <a:r>
               <a:rPr lang="en-US" altLang="ko-KR" sz="2000" dirty="0">
@@ -14972,8 +15568,8 @@
         </p:nvSpPr>
         <p:spPr>
           <a:xfrm>
-            <a:off x="8707818" y="1226927"/>
-            <a:ext cx="3340822" cy="4421595"/>
+            <a:off x="8654535" y="1401495"/>
+            <a:ext cx="3570080" cy="3600986"/>
           </a:xfrm>
           <a:prstGeom prst="rect">
             <a:avLst/>
@@ -15003,7 +15599,46 @@
                 <a:latin typeface="경기천년제목 Medium" panose="02020603020101020101" pitchFamily="18" charset="-127"/>
                 <a:ea typeface="경기천년제목 Medium" panose="02020603020101020101" pitchFamily="18" charset="-127"/>
               </a:rPr>
-              <a:t> 정보를 체크하는 리스트박스에서 체크되는 내용에 따라 텍스트박스에 입력되는 내용이 바뀌도록 조건문을 사용하였고</a:t>
+              <a:t> 정보를 체크하는 리스트박스에서 체크되는 내용에 따라 텍스트박스에 입력되는 내용이 </a:t>
+            </a:r>
+            <a:r>
+              <a:rPr lang="ko-KR" altLang="en-US" sz="1900" dirty="0" smtClean="0">
+                <a:latin typeface="경기천년제목 Medium" panose="02020603020101020101" pitchFamily="18" charset="-127"/>
+                <a:ea typeface="경기천년제목 Medium" panose="02020603020101020101" pitchFamily="18" charset="-127"/>
+              </a:rPr>
+              <a:t>바뀌도록</a:t>
+            </a:r>
+            <a:endParaRPr lang="en-US" altLang="ko-KR" sz="1900" dirty="0" smtClean="0">
+              <a:latin typeface="경기천년제목 Medium" panose="02020603020101020101" pitchFamily="18" charset="-127"/>
+              <a:ea typeface="경기천년제목 Medium" panose="02020603020101020101" pitchFamily="18" charset="-127"/>
+            </a:endParaRPr>
+          </a:p>
+          <a:p>
+            <a:pPr>
+              <a:lnSpc>
+                <a:spcPct val="150000"/>
+              </a:lnSpc>
+            </a:pPr>
+            <a:r>
+              <a:rPr lang="ko-KR" altLang="en-US" sz="1900" dirty="0" err="1" smtClean="0">
+                <a:latin typeface="경기천년제목 Medium" panose="02020603020101020101" pitchFamily="18" charset="-127"/>
+                <a:ea typeface="경기천년제목 Medium" panose="02020603020101020101" pitchFamily="18" charset="-127"/>
+              </a:rPr>
+              <a:t>조건문을</a:t>
+            </a:r>
+            <a:r>
+              <a:rPr lang="ko-KR" altLang="en-US" sz="1900" dirty="0" smtClean="0">
+                <a:latin typeface="경기천년제목 Medium" panose="02020603020101020101" pitchFamily="18" charset="-127"/>
+                <a:ea typeface="경기천년제목 Medium" panose="02020603020101020101" pitchFamily="18" charset="-127"/>
+              </a:rPr>
+              <a:t> </a:t>
+            </a:r>
+            <a:r>
+              <a:rPr lang="ko-KR" altLang="en-US" sz="1900" dirty="0">
+                <a:latin typeface="경기천년제목 Medium" panose="02020603020101020101" pitchFamily="18" charset="-127"/>
+                <a:ea typeface="경기천년제목 Medium" panose="02020603020101020101" pitchFamily="18" charset="-127"/>
+              </a:rPr>
+              <a:t>사용하였고</a:t>
             </a:r>
             <a:r>
               <a:rPr lang="en-US" altLang="ko-KR" sz="1900" dirty="0">
@@ -15031,7 +15666,39 @@
                 <a:latin typeface="경기천년제목 Medium" panose="02020603020101020101" pitchFamily="18" charset="-127"/>
                 <a:ea typeface="경기천년제목 Medium" panose="02020603020101020101" pitchFamily="18" charset="-127"/>
               </a:rPr>
-              <a:t>를 반환해 중복체크가 되지 않도록 조건문을 사용했습니다</a:t>
+              <a:t>를 반환해 </a:t>
+            </a:r>
+            <a:r>
+              <a:rPr lang="ko-KR" altLang="en-US" sz="1900" dirty="0" err="1" smtClean="0">
+                <a:latin typeface="경기천년제목 Medium" panose="02020603020101020101" pitchFamily="18" charset="-127"/>
+                <a:ea typeface="경기천년제목 Medium" panose="02020603020101020101" pitchFamily="18" charset="-127"/>
+              </a:rPr>
+              <a:t>중복체크가</a:t>
+            </a:r>
+            <a:endParaRPr lang="en-US" altLang="ko-KR" sz="1900" dirty="0" smtClean="0">
+              <a:latin typeface="경기천년제목 Medium" panose="02020603020101020101" pitchFamily="18" charset="-127"/>
+              <a:ea typeface="경기천년제목 Medium" panose="02020603020101020101" pitchFamily="18" charset="-127"/>
+            </a:endParaRPr>
+          </a:p>
+          <a:p>
+            <a:pPr>
+              <a:lnSpc>
+                <a:spcPct val="150000"/>
+              </a:lnSpc>
+            </a:pPr>
+            <a:r>
+              <a:rPr lang="ko-KR" altLang="en-US" sz="1900" dirty="0" smtClean="0">
+                <a:latin typeface="경기천년제목 Medium" panose="02020603020101020101" pitchFamily="18" charset="-127"/>
+                <a:ea typeface="경기천년제목 Medium" panose="02020603020101020101" pitchFamily="18" charset="-127"/>
+              </a:rPr>
+              <a:t>되지 </a:t>
+            </a:r>
+            <a:r>
+              <a:rPr lang="ko-KR" altLang="en-US" sz="1900" dirty="0">
+                <a:latin typeface="경기천년제목 Medium" panose="02020603020101020101" pitchFamily="18" charset="-127"/>
+                <a:ea typeface="경기천년제목 Medium" panose="02020603020101020101" pitchFamily="18" charset="-127"/>
+              </a:rPr>
+              <a:t>않도록 조건문을 사용했습니다</a:t>
             </a:r>
             <a:r>
               <a:rPr lang="en-US" altLang="ko-KR" sz="1900" dirty="0">
@@ -17304,8 +17971,8 @@
         </p:nvSpPr>
         <p:spPr>
           <a:xfrm>
-            <a:off x="8781106" y="1559426"/>
-            <a:ext cx="3340822" cy="3659848"/>
+            <a:off x="8705764" y="1731192"/>
+            <a:ext cx="3442173" cy="3254737"/>
           </a:xfrm>
           <a:prstGeom prst="rect">
             <a:avLst/>
@@ -17377,35 +18044,32 @@
                 <a:latin typeface="경기천년제목 Medium" panose="02020603020101020101" pitchFamily="18" charset="-127"/>
                 <a:ea typeface="경기천년제목 Medium" panose="02020603020101020101" pitchFamily="18" charset="-127"/>
               </a:rPr>
-              <a:t>이미 </a:t>
-            </a:r>
-            <a:r>
-              <a:rPr lang="ko-KR" altLang="en-US" sz="1900" dirty="0" err="1">
-                <a:latin typeface="경기천년제목 Medium" panose="02020603020101020101" pitchFamily="18" charset="-127"/>
-                <a:ea typeface="경기천년제목 Medium" panose="02020603020101020101" pitchFamily="18" charset="-127"/>
-              </a:rPr>
-              <a:t>비어있는</a:t>
-            </a:r>
-            <a:r>
-              <a:rPr lang="ko-KR" altLang="en-US" sz="1900" dirty="0">
-                <a:latin typeface="경기천년제목 Medium" panose="02020603020101020101" pitchFamily="18" charset="-127"/>
-                <a:ea typeface="경기천년제목 Medium" panose="02020603020101020101" pitchFamily="18" charset="-127"/>
-              </a:rPr>
-              <a:t> </a:t>
-            </a:r>
-            <a:r>
-              <a:rPr lang="ko-KR" altLang="en-US" sz="1900" dirty="0" err="1">
+              <a:t>이미 비어있는 </a:t>
+            </a:r>
+            <a:r>
+              <a:rPr lang="ko-KR" altLang="en-US" sz="1900" dirty="0" err="1" smtClean="0">
                 <a:latin typeface="경기천년제목 Medium" panose="02020603020101020101" pitchFamily="18" charset="-127"/>
                 <a:ea typeface="경기천년제목 Medium" panose="02020603020101020101" pitchFamily="18" charset="-127"/>
               </a:rPr>
               <a:t>락커이거나</a:t>
             </a:r>
-            <a:r>
-              <a:rPr lang="ko-KR" altLang="en-US" sz="1900" dirty="0">
-                <a:latin typeface="경기천년제목 Medium" panose="02020603020101020101" pitchFamily="18" charset="-127"/>
-                <a:ea typeface="경기천년제목 Medium" panose="02020603020101020101" pitchFamily="18" charset="-127"/>
-              </a:rPr>
-              <a:t> 트레이너의 </a:t>
+            <a:endParaRPr lang="en-US" altLang="ko-KR" sz="1900" dirty="0">
+              <a:latin typeface="경기천년제목 Medium" panose="02020603020101020101" pitchFamily="18" charset="-127"/>
+              <a:ea typeface="경기천년제목 Medium" panose="02020603020101020101" pitchFamily="18" charset="-127"/>
+            </a:endParaRPr>
+          </a:p>
+          <a:p>
+            <a:pPr>
+              <a:lnSpc>
+                <a:spcPct val="150000"/>
+              </a:lnSpc>
+            </a:pPr>
+            <a:r>
+              <a:rPr lang="ko-KR" altLang="en-US" sz="1900" smtClean="0">
+                <a:latin typeface="경기천년제목 Medium" panose="02020603020101020101" pitchFamily="18" charset="-127"/>
+                <a:ea typeface="경기천년제목 Medium" panose="02020603020101020101" pitchFamily="18" charset="-127"/>
+              </a:rPr>
+              <a:t>트레이너의 </a:t>
             </a:r>
             <a:r>
               <a:rPr lang="ko-KR" altLang="en-US" sz="1900" dirty="0" err="1">
